--- a/ECSE/Workshop-3/workshop3.pptx
+++ b/ECSE/Workshop-3/workshop3.pptx
@@ -3379,7 +3379,7 @@
           <a:p>
             <a:r>
               <a:rPr lang="en-US" dirty="0"/>
-              <a:t>Workshop 3: Using Arduino: Buttons. Event based programming. Interrupts -&gt; when and why to use them?</a:t>
+              <a:t>Workshop 3: Using Arduino: Buttons. Event based programming. Interrupts -&gt; when to use them and why?</a:t>
             </a:r>
           </a:p>
         </p:txBody>

--- a/ECSE/Workshop-3/workshop3.pptx
+++ b/ECSE/Workshop-3/workshop3.pptx
@@ -8,6 +8,7 @@
     <p:sldId id="256" r:id="rId2"/>
     <p:sldId id="257" r:id="rId3"/>
     <p:sldId id="258" r:id="rId4"/>
+    <p:sldId id="259" r:id="rId5"/>
   </p:sldIdLst>
   <p:sldSz cx="12192000" cy="6858000"/>
   <p:notesSz cx="6858000" cy="9144000"/>
@@ -263,7 +264,7 @@
           <a:p>
             <a:fld id="{CB4ED598-43EB-408A-9236-B45AB4DAC6D0}" type="datetimeFigureOut">
               <a:rPr lang="en-CA" smtClean="0"/>
-              <a:t>2019-12-29</a:t>
+              <a:t>2020-01-19</a:t>
             </a:fld>
             <a:endParaRPr lang="en-CA"/>
           </a:p>
@@ -463,7 +464,7 @@
           <a:p>
             <a:fld id="{CB4ED598-43EB-408A-9236-B45AB4DAC6D0}" type="datetimeFigureOut">
               <a:rPr lang="en-CA" smtClean="0"/>
-              <a:t>2019-12-29</a:t>
+              <a:t>2020-01-19</a:t>
             </a:fld>
             <a:endParaRPr lang="en-CA"/>
           </a:p>
@@ -673,7 +674,7 @@
           <a:p>
             <a:fld id="{CB4ED598-43EB-408A-9236-B45AB4DAC6D0}" type="datetimeFigureOut">
               <a:rPr lang="en-CA" smtClean="0"/>
-              <a:t>2019-12-29</a:t>
+              <a:t>2020-01-19</a:t>
             </a:fld>
             <a:endParaRPr lang="en-CA"/>
           </a:p>
@@ -873,7 +874,7 @@
           <a:p>
             <a:fld id="{CB4ED598-43EB-408A-9236-B45AB4DAC6D0}" type="datetimeFigureOut">
               <a:rPr lang="en-CA" smtClean="0"/>
-              <a:t>2019-12-29</a:t>
+              <a:t>2020-01-19</a:t>
             </a:fld>
             <a:endParaRPr lang="en-CA"/>
           </a:p>
@@ -1149,7 +1150,7 @@
           <a:p>
             <a:fld id="{CB4ED598-43EB-408A-9236-B45AB4DAC6D0}" type="datetimeFigureOut">
               <a:rPr lang="en-CA" smtClean="0"/>
-              <a:t>2019-12-29</a:t>
+              <a:t>2020-01-19</a:t>
             </a:fld>
             <a:endParaRPr lang="en-CA"/>
           </a:p>
@@ -1417,7 +1418,7 @@
           <a:p>
             <a:fld id="{CB4ED598-43EB-408A-9236-B45AB4DAC6D0}" type="datetimeFigureOut">
               <a:rPr lang="en-CA" smtClean="0"/>
-              <a:t>2019-12-29</a:t>
+              <a:t>2020-01-19</a:t>
             </a:fld>
             <a:endParaRPr lang="en-CA"/>
           </a:p>
@@ -1832,7 +1833,7 @@
           <a:p>
             <a:fld id="{CB4ED598-43EB-408A-9236-B45AB4DAC6D0}" type="datetimeFigureOut">
               <a:rPr lang="en-CA" smtClean="0"/>
-              <a:t>2019-12-29</a:t>
+              <a:t>2020-01-19</a:t>
             </a:fld>
             <a:endParaRPr lang="en-CA"/>
           </a:p>
@@ -1974,7 +1975,7 @@
           <a:p>
             <a:fld id="{CB4ED598-43EB-408A-9236-B45AB4DAC6D0}" type="datetimeFigureOut">
               <a:rPr lang="en-CA" smtClean="0"/>
-              <a:t>2019-12-29</a:t>
+              <a:t>2020-01-19</a:t>
             </a:fld>
             <a:endParaRPr lang="en-CA"/>
           </a:p>
@@ -2087,7 +2088,7 @@
           <a:p>
             <a:fld id="{CB4ED598-43EB-408A-9236-B45AB4DAC6D0}" type="datetimeFigureOut">
               <a:rPr lang="en-CA" smtClean="0"/>
-              <a:t>2019-12-29</a:t>
+              <a:t>2020-01-19</a:t>
             </a:fld>
             <a:endParaRPr lang="en-CA"/>
           </a:p>
@@ -2400,7 +2401,7 @@
           <a:p>
             <a:fld id="{CB4ED598-43EB-408A-9236-B45AB4DAC6D0}" type="datetimeFigureOut">
               <a:rPr lang="en-CA" smtClean="0"/>
-              <a:t>2019-12-29</a:t>
+              <a:t>2020-01-19</a:t>
             </a:fld>
             <a:endParaRPr lang="en-CA"/>
           </a:p>
@@ -2689,7 +2690,7 @@
           <a:p>
             <a:fld id="{CB4ED598-43EB-408A-9236-B45AB4DAC6D0}" type="datetimeFigureOut">
               <a:rPr lang="en-CA" smtClean="0"/>
-              <a:t>2019-12-29</a:t>
+              <a:t>2020-01-19</a:t>
             </a:fld>
             <a:endParaRPr lang="en-CA"/>
           </a:p>
@@ -2932,7 +2933,7 @@
           <a:p>
             <a:fld id="{CB4ED598-43EB-408A-9236-B45AB4DAC6D0}" type="datetimeFigureOut">
               <a:rPr lang="en-CA" smtClean="0"/>
-              <a:t>2019-12-29</a:t>
+              <a:t>2020-01-19</a:t>
             </a:fld>
             <a:endParaRPr lang="en-CA"/>
           </a:p>
@@ -3493,39 +3494,30 @@
           <a:bodyPr/>
           <a:lstStyle/>
           <a:p>
+            <a:pPr marL="0" indent="0">
+              <a:buNone/>
+            </a:pPr>
             <a:r>
               <a:rPr lang="en-US" dirty="0"/>
-              <a:t>- Learning outcome: Advanced Arduino programming. Using interrupts for event detection</a:t>
+              <a:t>- Learning outcome: </a:t>
             </a:r>
           </a:p>
           <a:p>
             <a:r>
               <a:rPr lang="en-US" dirty="0"/>
-              <a:t>- Project idea 1: detecting button presses while running background tasks (maybe an infinite loop).</a:t>
-            </a:r>
-          </a:p>
-          <a:p>
-            <a:r>
-              <a:rPr lang="en-US" dirty="0"/>
-              <a:t>- Project idea 2: detecting button presses while running an LED blinking loop (no way to directly sample for button press)</a:t>
+              <a:t>Advanced Arduino programming. Using interrupts for event detection</a:t>
             </a:r>
           </a:p>
           <a:p>
             <a:r>
               <a:rPr lang="en-CA" dirty="0"/>
-              <a:t>- event based programming: 20 min</a:t>
+              <a:t>Event based programming: 20 min</a:t>
             </a:r>
           </a:p>
           <a:p>
             <a:r>
               <a:rPr lang="en-CA" dirty="0"/>
-              <a:t>- interrupts: 15 min</a:t>
-            </a:r>
-          </a:p>
-          <a:p>
-            <a:r>
-              <a:rPr lang="en-CA" dirty="0"/>
-              <a:t>- project: 10 min </a:t>
+              <a:t>Interrupts: 15 min</a:t>
             </a:r>
           </a:p>
         </p:txBody>
@@ -3583,7 +3575,7 @@
           <a:p>
             <a:r>
               <a:rPr lang="en-CA" dirty="0"/>
-              <a:t>Metal on your wrists and stuff</a:t>
+              <a:t>How your computer detects ‘random’ events</a:t>
             </a:r>
           </a:p>
         </p:txBody>
@@ -3611,13 +3603,31 @@
           <a:p>
             <a:r>
               <a:rPr lang="en-CA" dirty="0"/>
-              <a:t>Don’t </a:t>
-            </a:r>
-            <a:r>
-              <a:rPr lang="en-CA"/>
-              <a:t>do that.</a:t>
-            </a:r>
+              <a:t>Random in this context means asynchronous</a:t>
+            </a:r>
+          </a:p>
+          <a:p>
+            <a:pPr lvl="1"/>
+            <a:r>
+              <a:rPr lang="en-CA" dirty="0"/>
+              <a:t>Computer cannot predict when the event will happen</a:t>
+            </a:r>
+          </a:p>
+          <a:p>
             <a:endParaRPr lang="en-CA" dirty="0"/>
+          </a:p>
+          <a:p>
+            <a:r>
+              <a:rPr lang="en-CA" dirty="0"/>
+              <a:t>Event listeners are constantly running in the background waiting for events to happen.</a:t>
+            </a:r>
+          </a:p>
+          <a:p>
+            <a:pPr lvl="1"/>
+            <a:r>
+              <a:rPr lang="en-CA" dirty="0"/>
+              <a:t>Trigger code to run when their event occurs.</a:t>
+            </a:r>
           </a:p>
         </p:txBody>
       </p:sp>
@@ -3625,6 +3635,92 @@
     <p:extLst>
       <p:ext uri="{BB962C8B-B14F-4D97-AF65-F5344CB8AC3E}">
         <p14:creationId xmlns:p14="http://schemas.microsoft.com/office/powerpoint/2010/main" val="2092369456"/>
+      </p:ext>
+    </p:extLst>
+  </p:cSld>
+  <p:clrMapOvr>
+    <a:masterClrMapping/>
+  </p:clrMapOvr>
+</p:sld>
+</file>
+
+<file path=ppt/slides/slide4.xml><?xml version="1.0" encoding="utf-8"?>
+<p:sld xmlns:a="http://schemas.openxmlformats.org/drawingml/2006/main" xmlns:r="http://schemas.openxmlformats.org/officeDocument/2006/relationships" xmlns:p="http://schemas.openxmlformats.org/presentationml/2006/main">
+  <p:cSld>
+    <p:spTree>
+      <p:nvGrpSpPr>
+        <p:cNvPr id="1" name=""/>
+        <p:cNvGrpSpPr/>
+        <p:nvPr/>
+      </p:nvGrpSpPr>
+      <p:grpSpPr>
+        <a:xfrm>
+          <a:off x="0" y="0"/>
+          <a:ext cx="0" cy="0"/>
+          <a:chOff x="0" y="0"/>
+          <a:chExt cx="0" cy="0"/>
+        </a:xfrm>
+      </p:grpSpPr>
+      <p:sp>
+        <p:nvSpPr>
+          <p:cNvPr id="2" name="Title 1">
+            <a:extLst>
+              <a:ext uri="{FF2B5EF4-FFF2-40B4-BE49-F238E27FC236}">
+                <a16:creationId xmlns:a16="http://schemas.microsoft.com/office/drawing/2014/main" id="{5E94C9BC-A670-4670-BCAB-BCD55E009FFF}"/>
+              </a:ext>
+            </a:extLst>
+          </p:cNvPr>
+          <p:cNvSpPr>
+            <a:spLocks noGrp="1"/>
+          </p:cNvSpPr>
+          <p:nvPr>
+            <p:ph type="title"/>
+          </p:nvPr>
+        </p:nvSpPr>
+        <p:spPr/>
+        <p:txBody>
+          <a:bodyPr/>
+          <a:lstStyle/>
+          <a:p>
+            <a:r>
+              <a:rPr lang="en-CA" dirty="0"/>
+              <a:t>Arduinos cannot do the same</a:t>
+            </a:r>
+          </a:p>
+        </p:txBody>
+      </p:sp>
+      <p:sp>
+        <p:nvSpPr>
+          <p:cNvPr id="3" name="Content Placeholder 2">
+            <a:extLst>
+              <a:ext uri="{FF2B5EF4-FFF2-40B4-BE49-F238E27FC236}">
+                <a16:creationId xmlns:a16="http://schemas.microsoft.com/office/drawing/2014/main" id="{CF1E23C7-F2DD-4D92-AA32-A204F7CAC867}"/>
+              </a:ext>
+            </a:extLst>
+          </p:cNvPr>
+          <p:cNvSpPr>
+            <a:spLocks noGrp="1"/>
+          </p:cNvSpPr>
+          <p:nvPr>
+            <p:ph idx="1"/>
+          </p:nvPr>
+        </p:nvSpPr>
+        <p:spPr/>
+        <p:txBody>
+          <a:bodyPr/>
+          <a:lstStyle/>
+          <a:p>
+            <a:r>
+              <a:rPr lang="en-CA" dirty="0"/>
+              <a:t>Hardware limitations of Arduino means that we cannot have multiple threads running concurrently</a:t>
+            </a:r>
+          </a:p>
+        </p:txBody>
+      </p:sp>
+    </p:spTree>
+    <p:extLst>
+      <p:ext uri="{BB962C8B-B14F-4D97-AF65-F5344CB8AC3E}">
+        <p14:creationId xmlns:p14="http://schemas.microsoft.com/office/powerpoint/2010/main" val="3581528990"/>
       </p:ext>
     </p:extLst>
   </p:cSld>

--- a/ECSE/Workshop-3/workshop3.pptx
+++ b/ECSE/Workshop-3/workshop3.pptx
@@ -264,7 +264,7 @@
           <a:p>
             <a:fld id="{CB4ED598-43EB-408A-9236-B45AB4DAC6D0}" type="datetimeFigureOut">
               <a:rPr lang="en-CA" smtClean="0"/>
-              <a:t>2020-01-19</a:t>
+              <a:t>2020-01-22</a:t>
             </a:fld>
             <a:endParaRPr lang="en-CA"/>
           </a:p>
@@ -464,7 +464,7 @@
           <a:p>
             <a:fld id="{CB4ED598-43EB-408A-9236-B45AB4DAC6D0}" type="datetimeFigureOut">
               <a:rPr lang="en-CA" smtClean="0"/>
-              <a:t>2020-01-19</a:t>
+              <a:t>2020-01-22</a:t>
             </a:fld>
             <a:endParaRPr lang="en-CA"/>
           </a:p>
@@ -674,7 +674,7 @@
           <a:p>
             <a:fld id="{CB4ED598-43EB-408A-9236-B45AB4DAC6D0}" type="datetimeFigureOut">
               <a:rPr lang="en-CA" smtClean="0"/>
-              <a:t>2020-01-19</a:t>
+              <a:t>2020-01-22</a:t>
             </a:fld>
             <a:endParaRPr lang="en-CA"/>
           </a:p>
@@ -874,7 +874,7 @@
           <a:p>
             <a:fld id="{CB4ED598-43EB-408A-9236-B45AB4DAC6D0}" type="datetimeFigureOut">
               <a:rPr lang="en-CA" smtClean="0"/>
-              <a:t>2020-01-19</a:t>
+              <a:t>2020-01-22</a:t>
             </a:fld>
             <a:endParaRPr lang="en-CA"/>
           </a:p>
@@ -1150,7 +1150,7 @@
           <a:p>
             <a:fld id="{CB4ED598-43EB-408A-9236-B45AB4DAC6D0}" type="datetimeFigureOut">
               <a:rPr lang="en-CA" smtClean="0"/>
-              <a:t>2020-01-19</a:t>
+              <a:t>2020-01-22</a:t>
             </a:fld>
             <a:endParaRPr lang="en-CA"/>
           </a:p>
@@ -1418,7 +1418,7 @@
           <a:p>
             <a:fld id="{CB4ED598-43EB-408A-9236-B45AB4DAC6D0}" type="datetimeFigureOut">
               <a:rPr lang="en-CA" smtClean="0"/>
-              <a:t>2020-01-19</a:t>
+              <a:t>2020-01-22</a:t>
             </a:fld>
             <a:endParaRPr lang="en-CA"/>
           </a:p>
@@ -1833,7 +1833,7 @@
           <a:p>
             <a:fld id="{CB4ED598-43EB-408A-9236-B45AB4DAC6D0}" type="datetimeFigureOut">
               <a:rPr lang="en-CA" smtClean="0"/>
-              <a:t>2020-01-19</a:t>
+              <a:t>2020-01-22</a:t>
             </a:fld>
             <a:endParaRPr lang="en-CA"/>
           </a:p>
@@ -1975,7 +1975,7 @@
           <a:p>
             <a:fld id="{CB4ED598-43EB-408A-9236-B45AB4DAC6D0}" type="datetimeFigureOut">
               <a:rPr lang="en-CA" smtClean="0"/>
-              <a:t>2020-01-19</a:t>
+              <a:t>2020-01-22</a:t>
             </a:fld>
             <a:endParaRPr lang="en-CA"/>
           </a:p>
@@ -2088,7 +2088,7 @@
           <a:p>
             <a:fld id="{CB4ED598-43EB-408A-9236-B45AB4DAC6D0}" type="datetimeFigureOut">
               <a:rPr lang="en-CA" smtClean="0"/>
-              <a:t>2020-01-19</a:t>
+              <a:t>2020-01-22</a:t>
             </a:fld>
             <a:endParaRPr lang="en-CA"/>
           </a:p>
@@ -2401,7 +2401,7 @@
           <a:p>
             <a:fld id="{CB4ED598-43EB-408A-9236-B45AB4DAC6D0}" type="datetimeFigureOut">
               <a:rPr lang="en-CA" smtClean="0"/>
-              <a:t>2020-01-19</a:t>
+              <a:t>2020-01-22</a:t>
             </a:fld>
             <a:endParaRPr lang="en-CA"/>
           </a:p>
@@ -2690,7 +2690,7 @@
           <a:p>
             <a:fld id="{CB4ED598-43EB-408A-9236-B45AB4DAC6D0}" type="datetimeFigureOut">
               <a:rPr lang="en-CA" smtClean="0"/>
-              <a:t>2020-01-19</a:t>
+              <a:t>2020-01-22</a:t>
             </a:fld>
             <a:endParaRPr lang="en-CA"/>
           </a:p>
@@ -2933,7 +2933,7 @@
           <a:p>
             <a:fld id="{CB4ED598-43EB-408A-9236-B45AB4DAC6D0}" type="datetimeFigureOut">
               <a:rPr lang="en-CA" smtClean="0"/>
-              <a:t>2020-01-19</a:t>
+              <a:t>2020-01-22</a:t>
             </a:fld>
             <a:endParaRPr lang="en-CA"/>
           </a:p>
@@ -3374,13 +3374,13 @@
         </p:spPr>
         <p:txBody>
           <a:bodyPr>
-            <a:normAutofit fontScale="90000"/>
+            <a:normAutofit/>
           </a:bodyPr>
           <a:lstStyle/>
           <a:p>
             <a:r>
               <a:rPr lang="en-US" dirty="0"/>
-              <a:t>Workshop 3: Using Arduino: Buttons. Event based programming. Interrupts -&gt; when to use them and why?</a:t>
+              <a:t>Workshop 3: Using Arduino: Button matrix. Resistors and analog inputs</a:t>
             </a:r>
           </a:p>
         </p:txBody>
@@ -3494,30 +3494,33 @@
           <a:bodyPr/>
           <a:lstStyle/>
           <a:p>
-            <a:pPr marL="0" indent="0">
-              <a:buNone/>
-            </a:pPr>
             <a:r>
               <a:rPr lang="en-US" dirty="0"/>
-              <a:t>- Learning outcome: </a:t>
-            </a:r>
-          </a:p>
-          <a:p>
-            <a:r>
-              <a:rPr lang="en-US" dirty="0"/>
-              <a:t>Advanced Arduino programming. Using interrupts for event detection</a:t>
+              <a:t>- Learning outcome: Using analog inputs to detect small changes in voltage.</a:t>
             </a:r>
           </a:p>
           <a:p>
             <a:r>
               <a:rPr lang="en-CA" dirty="0"/>
-              <a:t>Event based programming: 20 min</a:t>
+              <a:t>- Project: potentiometer + servo robotic arm</a:t>
             </a:r>
           </a:p>
           <a:p>
             <a:r>
               <a:rPr lang="en-CA" dirty="0"/>
-              <a:t>Interrupts: 15 min</a:t>
+              <a:t>- analog inputs: 10 min</a:t>
+            </a:r>
+          </a:p>
+          <a:p>
+            <a:r>
+              <a:rPr lang="en-CA" dirty="0"/>
+              <a:t>- button matrix: 10 min</a:t>
+            </a:r>
+          </a:p>
+          <a:p>
+            <a:r>
+              <a:rPr lang="en-CA" dirty="0"/>
+              <a:t>- project: 40 min</a:t>
             </a:r>
           </a:p>
         </p:txBody>
@@ -3574,59 +3577,121 @@
           <a:lstStyle/>
           <a:p>
             <a:r>
+              <a:rPr lang="en-US" dirty="0"/>
+              <a:t>Analog pins detect voltages</a:t>
+            </a:r>
+            <a:endParaRPr lang="en-CA" dirty="0"/>
+          </a:p>
+        </p:txBody>
+      </p:sp>
+      <p:sp>
+        <p:nvSpPr>
+          <p:cNvPr id="3" name="Content Placeholder 2">
+            <a:extLst>
+              <a:ext uri="{FF2B5EF4-FFF2-40B4-BE49-F238E27FC236}">
+                <a16:creationId xmlns:a16="http://schemas.microsoft.com/office/drawing/2014/main" id="{2AEB2B98-FF3D-4A3C-8526-44B7EEB21B00}"/>
+              </a:ext>
+            </a:extLst>
+          </p:cNvPr>
+          <p:cNvSpPr>
+            <a:spLocks noGrp="1"/>
+          </p:cNvSpPr>
+          <p:nvPr>
+            <p:ph idx="1"/>
+          </p:nvPr>
+        </p:nvSpPr>
+        <p:spPr/>
+        <p:txBody>
+          <a:bodyPr>
+            <a:normAutofit fontScale="92500" lnSpcReduction="20000"/>
+          </a:bodyPr>
+          <a:lstStyle/>
+          <a:p>
+            <a:pPr marL="0" indent="0">
+              <a:buNone/>
+            </a:pPr>
+            <a:r>
+              <a:rPr lang="en-US" dirty="0"/>
+              <a:t>Voltage between 0 and 5V is mapped to values between 0 and 1023</a:t>
+            </a:r>
+          </a:p>
+          <a:p>
+            <a:pPr marL="0" indent="0">
+              <a:buNone/>
+            </a:pPr>
+            <a:endParaRPr lang="en-US" dirty="0"/>
+          </a:p>
+          <a:p>
+            <a:pPr marL="0" indent="0">
+              <a:buNone/>
+            </a:pPr>
+            <a:r>
               <a:rPr lang="en-CA" dirty="0"/>
-              <a:t>How your computer detects ‘random’ events</a:t>
-            </a:r>
-          </a:p>
-        </p:txBody>
-      </p:sp>
-      <p:sp>
-        <p:nvSpPr>
-          <p:cNvPr id="3" name="Content Placeholder 2">
-            <a:extLst>
-              <a:ext uri="{FF2B5EF4-FFF2-40B4-BE49-F238E27FC236}">
-                <a16:creationId xmlns:a16="http://schemas.microsoft.com/office/drawing/2014/main" id="{2AEB2B98-FF3D-4A3C-8526-44B7EEB21B00}"/>
-              </a:ext>
-            </a:extLst>
-          </p:cNvPr>
-          <p:cNvSpPr>
-            <a:spLocks noGrp="1"/>
-          </p:cNvSpPr>
-          <p:nvPr>
-            <p:ph idx="1"/>
-          </p:nvPr>
-        </p:nvSpPr>
-        <p:spPr/>
-        <p:txBody>
-          <a:bodyPr/>
-          <a:lstStyle/>
-          <a:p>
+              <a:t>0V -&gt; 0</a:t>
+            </a:r>
+          </a:p>
+          <a:p>
+            <a:pPr marL="0" indent="0">
+              <a:buNone/>
+            </a:pPr>
             <a:r>
               <a:rPr lang="en-CA" dirty="0"/>
-              <a:t>Random in this context means asynchronous</a:t>
-            </a:r>
-          </a:p>
-          <a:p>
-            <a:pPr lvl="1"/>
+              <a:t>1V -&gt; 204</a:t>
+            </a:r>
+          </a:p>
+          <a:p>
+            <a:pPr marL="0" indent="0">
+              <a:buNone/>
+            </a:pPr>
             <a:r>
               <a:rPr lang="en-CA" dirty="0"/>
-              <a:t>Computer cannot predict when the event will happen</a:t>
-            </a:r>
-          </a:p>
-          <a:p>
+              <a:t>2V -&gt; 409</a:t>
+            </a:r>
+          </a:p>
+          <a:p>
+            <a:pPr marL="0" indent="0">
+              <a:buNone/>
+            </a:pPr>
+            <a:r>
+              <a:rPr lang="en-CA" dirty="0"/>
+              <a:t>3V -&gt; 613</a:t>
+            </a:r>
+          </a:p>
+          <a:p>
+            <a:pPr marL="0" indent="0">
+              <a:buNone/>
+            </a:pPr>
+            <a:r>
+              <a:rPr lang="en-CA" dirty="0"/>
+              <a:t>4V -&gt; 818</a:t>
+            </a:r>
+          </a:p>
+          <a:p>
+            <a:pPr marL="0" indent="0">
+              <a:buNone/>
+            </a:pPr>
+            <a:r>
+              <a:rPr lang="en-CA" dirty="0"/>
+              <a:t>5V -&gt; 1023</a:t>
+            </a:r>
+          </a:p>
+          <a:p>
+            <a:pPr marL="0" indent="0">
+              <a:buNone/>
+            </a:pPr>
             <a:endParaRPr lang="en-CA" dirty="0"/>
           </a:p>
           <a:p>
+            <a:pPr marL="0" indent="0">
+              <a:buNone/>
+            </a:pPr>
+            <a:r>
+              <a:rPr lang="en-CA" dirty="0" err="1"/>
+              <a:t>analogRead</a:t>
+            </a:r>
             <a:r>
               <a:rPr lang="en-CA" dirty="0"/>
-              <a:t>Event listeners are constantly running in the background waiting for events to happen.</a:t>
-            </a:r>
-          </a:p>
-          <a:p>
-            <a:pPr lvl="1"/>
-            <a:r>
-              <a:rPr lang="en-CA" dirty="0"/>
-              <a:t>Trigger code to run when their event occurs.</a:t>
+              <a:t>(pin) = (input/5.0)*1023</a:t>
             </a:r>
           </a:p>
         </p:txBody>
@@ -3666,7 +3731,7 @@
           <p:cNvPr id="2" name="Title 1">
             <a:extLst>
               <a:ext uri="{FF2B5EF4-FFF2-40B4-BE49-F238E27FC236}">
-                <a16:creationId xmlns:a16="http://schemas.microsoft.com/office/drawing/2014/main" id="{5E94C9BC-A670-4670-BCAB-BCD55E009FFF}"/>
+                <a16:creationId xmlns:a16="http://schemas.microsoft.com/office/drawing/2014/main" id="{DB196208-E9A8-4345-9229-3FF127514461}"/>
               </a:ext>
             </a:extLst>
           </p:cNvPr>
@@ -3682,10 +3747,7 @@
           <a:bodyPr/>
           <a:lstStyle/>
           <a:p>
-            <a:r>
-              <a:rPr lang="en-CA" dirty="0"/>
-              <a:t>Arduinos cannot do the same</a:t>
-            </a:r>
+            <a:endParaRPr lang="en-CA" dirty="0"/>
           </a:p>
         </p:txBody>
       </p:sp>
@@ -3694,7 +3756,7 @@
           <p:cNvPr id="3" name="Content Placeholder 2">
             <a:extLst>
               <a:ext uri="{FF2B5EF4-FFF2-40B4-BE49-F238E27FC236}">
-                <a16:creationId xmlns:a16="http://schemas.microsoft.com/office/drawing/2014/main" id="{CF1E23C7-F2DD-4D92-AA32-A204F7CAC867}"/>
+                <a16:creationId xmlns:a16="http://schemas.microsoft.com/office/drawing/2014/main" id="{166BDFD9-9A2C-4252-9F89-6A727CED485A}"/>
               </a:ext>
             </a:extLst>
           </p:cNvPr>
@@ -3710,17 +3772,14 @@
           <a:bodyPr/>
           <a:lstStyle/>
           <a:p>
-            <a:r>
-              <a:rPr lang="en-CA" dirty="0"/>
-              <a:t>Hardware limitations of Arduino means that we cannot have multiple threads running concurrently</a:t>
-            </a:r>
+            <a:endParaRPr lang="en-CA" dirty="0"/>
           </a:p>
         </p:txBody>
       </p:sp>
     </p:spTree>
     <p:extLst>
       <p:ext uri="{BB962C8B-B14F-4D97-AF65-F5344CB8AC3E}">
-        <p14:creationId xmlns:p14="http://schemas.microsoft.com/office/powerpoint/2010/main" val="3581528990"/>
+        <p14:creationId xmlns:p14="http://schemas.microsoft.com/office/powerpoint/2010/main" val="46258006"/>
       </p:ext>
     </p:extLst>
   </p:cSld>

--- a/ECSE/Workshop-3/workshop3.pptx
+++ b/ECSE/Workshop-3/workshop3.pptx
@@ -9,6 +9,8 @@
     <p:sldId id="257" r:id="rId3"/>
     <p:sldId id="258" r:id="rId4"/>
     <p:sldId id="259" r:id="rId5"/>
+    <p:sldId id="260" r:id="rId6"/>
+    <p:sldId id="261" r:id="rId7"/>
   </p:sldIdLst>
   <p:sldSz cx="12192000" cy="6858000"/>
   <p:notesSz cx="6858000" cy="9144000"/>
@@ -264,7 +266,7 @@
           <a:p>
             <a:fld id="{CB4ED598-43EB-408A-9236-B45AB4DAC6D0}" type="datetimeFigureOut">
               <a:rPr lang="en-CA" smtClean="0"/>
-              <a:t>2020-01-22</a:t>
+              <a:t>2020-01-24</a:t>
             </a:fld>
             <a:endParaRPr lang="en-CA"/>
           </a:p>
@@ -464,7 +466,7 @@
           <a:p>
             <a:fld id="{CB4ED598-43EB-408A-9236-B45AB4DAC6D0}" type="datetimeFigureOut">
               <a:rPr lang="en-CA" smtClean="0"/>
-              <a:t>2020-01-22</a:t>
+              <a:t>2020-01-24</a:t>
             </a:fld>
             <a:endParaRPr lang="en-CA"/>
           </a:p>
@@ -674,7 +676,7 @@
           <a:p>
             <a:fld id="{CB4ED598-43EB-408A-9236-B45AB4DAC6D0}" type="datetimeFigureOut">
               <a:rPr lang="en-CA" smtClean="0"/>
-              <a:t>2020-01-22</a:t>
+              <a:t>2020-01-24</a:t>
             </a:fld>
             <a:endParaRPr lang="en-CA"/>
           </a:p>
@@ -874,7 +876,7 @@
           <a:p>
             <a:fld id="{CB4ED598-43EB-408A-9236-B45AB4DAC6D0}" type="datetimeFigureOut">
               <a:rPr lang="en-CA" smtClean="0"/>
-              <a:t>2020-01-22</a:t>
+              <a:t>2020-01-24</a:t>
             </a:fld>
             <a:endParaRPr lang="en-CA"/>
           </a:p>
@@ -1150,7 +1152,7 @@
           <a:p>
             <a:fld id="{CB4ED598-43EB-408A-9236-B45AB4DAC6D0}" type="datetimeFigureOut">
               <a:rPr lang="en-CA" smtClean="0"/>
-              <a:t>2020-01-22</a:t>
+              <a:t>2020-01-24</a:t>
             </a:fld>
             <a:endParaRPr lang="en-CA"/>
           </a:p>
@@ -1418,7 +1420,7 @@
           <a:p>
             <a:fld id="{CB4ED598-43EB-408A-9236-B45AB4DAC6D0}" type="datetimeFigureOut">
               <a:rPr lang="en-CA" smtClean="0"/>
-              <a:t>2020-01-22</a:t>
+              <a:t>2020-01-24</a:t>
             </a:fld>
             <a:endParaRPr lang="en-CA"/>
           </a:p>
@@ -1833,7 +1835,7 @@
           <a:p>
             <a:fld id="{CB4ED598-43EB-408A-9236-B45AB4DAC6D0}" type="datetimeFigureOut">
               <a:rPr lang="en-CA" smtClean="0"/>
-              <a:t>2020-01-22</a:t>
+              <a:t>2020-01-24</a:t>
             </a:fld>
             <a:endParaRPr lang="en-CA"/>
           </a:p>
@@ -1975,7 +1977,7 @@
           <a:p>
             <a:fld id="{CB4ED598-43EB-408A-9236-B45AB4DAC6D0}" type="datetimeFigureOut">
               <a:rPr lang="en-CA" smtClean="0"/>
-              <a:t>2020-01-22</a:t>
+              <a:t>2020-01-24</a:t>
             </a:fld>
             <a:endParaRPr lang="en-CA"/>
           </a:p>
@@ -2088,7 +2090,7 @@
           <a:p>
             <a:fld id="{CB4ED598-43EB-408A-9236-B45AB4DAC6D0}" type="datetimeFigureOut">
               <a:rPr lang="en-CA" smtClean="0"/>
-              <a:t>2020-01-22</a:t>
+              <a:t>2020-01-24</a:t>
             </a:fld>
             <a:endParaRPr lang="en-CA"/>
           </a:p>
@@ -2401,7 +2403,7 @@
           <a:p>
             <a:fld id="{CB4ED598-43EB-408A-9236-B45AB4DAC6D0}" type="datetimeFigureOut">
               <a:rPr lang="en-CA" smtClean="0"/>
-              <a:t>2020-01-22</a:t>
+              <a:t>2020-01-24</a:t>
             </a:fld>
             <a:endParaRPr lang="en-CA"/>
           </a:p>
@@ -2690,7 +2692,7 @@
           <a:p>
             <a:fld id="{CB4ED598-43EB-408A-9236-B45AB4DAC6D0}" type="datetimeFigureOut">
               <a:rPr lang="en-CA" smtClean="0"/>
-              <a:t>2020-01-22</a:t>
+              <a:t>2020-01-24</a:t>
             </a:fld>
             <a:endParaRPr lang="en-CA"/>
           </a:p>
@@ -2933,7 +2935,7 @@
           <a:p>
             <a:fld id="{CB4ED598-43EB-408A-9236-B45AB4DAC6D0}" type="datetimeFigureOut">
               <a:rPr lang="en-CA" smtClean="0"/>
-              <a:t>2020-01-22</a:t>
+              <a:t>2020-01-24</a:t>
             </a:fld>
             <a:endParaRPr lang="en-CA"/>
           </a:p>
@@ -3747,32 +3749,68 @@
           <a:bodyPr/>
           <a:lstStyle/>
           <a:p>
+            <a:r>
+              <a:rPr lang="en-CA" dirty="0"/>
+              <a:t>Encoding data with resistances</a:t>
+            </a:r>
+          </a:p>
+        </p:txBody>
+      </p:sp>
+      <p:sp>
+        <p:nvSpPr>
+          <p:cNvPr id="3" name="Content Placeholder 2">
+            <a:extLst>
+              <a:ext uri="{FF2B5EF4-FFF2-40B4-BE49-F238E27FC236}">
+                <a16:creationId xmlns:a16="http://schemas.microsoft.com/office/drawing/2014/main" id="{166BDFD9-9A2C-4252-9F89-6A727CED485A}"/>
+              </a:ext>
+            </a:extLst>
+          </p:cNvPr>
+          <p:cNvSpPr>
+            <a:spLocks noGrp="1"/>
+          </p:cNvSpPr>
+          <p:nvPr>
+            <p:ph idx="1"/>
+          </p:nvPr>
+        </p:nvSpPr>
+        <p:spPr/>
+        <p:txBody>
+          <a:bodyPr/>
+          <a:lstStyle/>
+          <a:p>
+            <a:r>
+              <a:rPr lang="en-CA" dirty="0"/>
+              <a:t>Connect push buttons in parallel to each other between GND and A0, with a different series resistance each.</a:t>
+            </a:r>
+          </a:p>
+          <a:p>
             <a:endParaRPr lang="en-CA" dirty="0"/>
           </a:p>
-        </p:txBody>
-      </p:sp>
-      <p:sp>
-        <p:nvSpPr>
-          <p:cNvPr id="3" name="Content Placeholder 2">
-            <a:extLst>
-              <a:ext uri="{FF2B5EF4-FFF2-40B4-BE49-F238E27FC236}">
-                <a16:creationId xmlns:a16="http://schemas.microsoft.com/office/drawing/2014/main" id="{166BDFD9-9A2C-4252-9F89-6A727CED485A}"/>
-              </a:ext>
-            </a:extLst>
-          </p:cNvPr>
-          <p:cNvSpPr>
-            <a:spLocks noGrp="1"/>
-          </p:cNvSpPr>
-          <p:nvPr>
-            <p:ph idx="1"/>
-          </p:nvPr>
-        </p:nvSpPr>
-        <p:spPr/>
-        <p:txBody>
-          <a:bodyPr/>
-          <a:lstStyle/>
-          <a:p>
-            <a:endParaRPr lang="en-CA" dirty="0"/>
+          <a:p>
+            <a:r>
+              <a:rPr lang="en-CA" dirty="0"/>
+              <a:t>Start a serial connection with the Arduino, open the serial monitor</a:t>
+            </a:r>
+          </a:p>
+          <a:p>
+            <a:pPr lvl="1"/>
+            <a:r>
+              <a:rPr lang="en-CA" dirty="0"/>
+              <a:t>Read from the A0 pin and print the value to the serial connection.</a:t>
+            </a:r>
+          </a:p>
+          <a:p>
+            <a:pPr lvl="1"/>
+            <a:r>
+              <a:rPr lang="en-CA" dirty="0"/>
+              <a:t>Pressing different buttons leads to different voltage readings on the A0 pin!</a:t>
+            </a:r>
+          </a:p>
+          <a:p>
+            <a:pPr lvl="1"/>
+            <a:r>
+              <a:rPr lang="en-CA" dirty="0"/>
+              <a:t>By cleverly selecting the resistances, you can even differentiate between presses of combinations of buttons! </a:t>
+            </a:r>
           </a:p>
         </p:txBody>
       </p:sp>
@@ -3780,6 +3818,216 @@
     <p:extLst>
       <p:ext uri="{BB962C8B-B14F-4D97-AF65-F5344CB8AC3E}">
         <p14:creationId xmlns:p14="http://schemas.microsoft.com/office/powerpoint/2010/main" val="46258006"/>
+      </p:ext>
+    </p:extLst>
+  </p:cSld>
+  <p:clrMapOvr>
+    <a:masterClrMapping/>
+  </p:clrMapOvr>
+</p:sld>
+</file>
+
+<file path=ppt/slides/slide5.xml><?xml version="1.0" encoding="utf-8"?>
+<p:sld xmlns:a="http://schemas.openxmlformats.org/drawingml/2006/main" xmlns:r="http://schemas.openxmlformats.org/officeDocument/2006/relationships" xmlns:p="http://schemas.openxmlformats.org/presentationml/2006/main">
+  <p:cSld>
+    <p:spTree>
+      <p:nvGrpSpPr>
+        <p:cNvPr id="1" name=""/>
+        <p:cNvGrpSpPr/>
+        <p:nvPr/>
+      </p:nvGrpSpPr>
+      <p:grpSpPr>
+        <a:xfrm>
+          <a:off x="0" y="0"/>
+          <a:ext cx="0" cy="0"/>
+          <a:chOff x="0" y="0"/>
+          <a:chExt cx="0" cy="0"/>
+        </a:xfrm>
+      </p:grpSpPr>
+      <p:sp>
+        <p:nvSpPr>
+          <p:cNvPr id="2" name="Title 1">
+            <a:extLst>
+              <a:ext uri="{FF2B5EF4-FFF2-40B4-BE49-F238E27FC236}">
+                <a16:creationId xmlns:a16="http://schemas.microsoft.com/office/drawing/2014/main" id="{F06A74E1-ABB8-4413-8DB9-F2BEBF9D4379}"/>
+              </a:ext>
+            </a:extLst>
+          </p:cNvPr>
+          <p:cNvSpPr>
+            <a:spLocks noGrp="1"/>
+          </p:cNvSpPr>
+          <p:nvPr>
+            <p:ph type="title"/>
+          </p:nvPr>
+        </p:nvSpPr>
+        <p:spPr/>
+        <p:txBody>
+          <a:bodyPr/>
+          <a:lstStyle/>
+          <a:p>
+            <a:r>
+              <a:rPr lang="en-CA" dirty="0"/>
+              <a:t>Using a variable resistance to control a servo</a:t>
+            </a:r>
+          </a:p>
+        </p:txBody>
+      </p:sp>
+      <p:sp>
+        <p:nvSpPr>
+          <p:cNvPr id="3" name="Content Placeholder 2">
+            <a:extLst>
+              <a:ext uri="{FF2B5EF4-FFF2-40B4-BE49-F238E27FC236}">
+                <a16:creationId xmlns:a16="http://schemas.microsoft.com/office/drawing/2014/main" id="{FA52E908-21DA-47E6-B6DD-2044E46FCD1C}"/>
+              </a:ext>
+            </a:extLst>
+          </p:cNvPr>
+          <p:cNvSpPr>
+            <a:spLocks noGrp="1"/>
+          </p:cNvSpPr>
+          <p:nvPr>
+            <p:ph idx="1"/>
+          </p:nvPr>
+        </p:nvSpPr>
+        <p:spPr/>
+        <p:txBody>
+          <a:bodyPr/>
+          <a:lstStyle/>
+          <a:p>
+            <a:r>
+              <a:rPr lang="en-CA" dirty="0"/>
+              <a:t>Use paper. Draw a line with a pencil (has to be thick and wide)</a:t>
+            </a:r>
+          </a:p>
+          <a:p>
+            <a:r>
+              <a:rPr lang="en-CA" dirty="0"/>
+              <a:t>Graphite is conductive, but has resistance. Put the GND pin at the leftmost part of your line and slide the A0 pin across the line</a:t>
+            </a:r>
+          </a:p>
+          <a:p>
+            <a:pPr lvl="1"/>
+            <a:r>
+              <a:rPr lang="en-CA" dirty="0"/>
+              <a:t>Resistance changes!</a:t>
+            </a:r>
+          </a:p>
+          <a:p>
+            <a:pPr lvl="1"/>
+            <a:endParaRPr lang="en-CA" dirty="0"/>
+          </a:p>
+          <a:p>
+            <a:r>
+              <a:rPr lang="en-CA" dirty="0"/>
+              <a:t>Find the range of resistance caused by your line (serial monitor)</a:t>
+            </a:r>
+          </a:p>
+          <a:p>
+            <a:pPr lvl="1"/>
+            <a:r>
+              <a:rPr lang="en-CA" dirty="0"/>
+              <a:t>We will map the analog input to a servo position</a:t>
+            </a:r>
+          </a:p>
+        </p:txBody>
+      </p:sp>
+    </p:spTree>
+    <p:extLst>
+      <p:ext uri="{BB962C8B-B14F-4D97-AF65-F5344CB8AC3E}">
+        <p14:creationId xmlns:p14="http://schemas.microsoft.com/office/powerpoint/2010/main" val="210401438"/>
+      </p:ext>
+    </p:extLst>
+  </p:cSld>
+  <p:clrMapOvr>
+    <a:masterClrMapping/>
+  </p:clrMapOvr>
+</p:sld>
+</file>
+
+<file path=ppt/slides/slide6.xml><?xml version="1.0" encoding="utf-8"?>
+<p:sld xmlns:a="http://schemas.openxmlformats.org/drawingml/2006/main" xmlns:r="http://schemas.openxmlformats.org/officeDocument/2006/relationships" xmlns:p="http://schemas.openxmlformats.org/presentationml/2006/main">
+  <p:cSld>
+    <p:spTree>
+      <p:nvGrpSpPr>
+        <p:cNvPr id="1" name=""/>
+        <p:cNvGrpSpPr/>
+        <p:nvPr/>
+      </p:nvGrpSpPr>
+      <p:grpSpPr>
+        <a:xfrm>
+          <a:off x="0" y="0"/>
+          <a:ext cx="0" cy="0"/>
+          <a:chOff x="0" y="0"/>
+          <a:chExt cx="0" cy="0"/>
+        </a:xfrm>
+      </p:grpSpPr>
+      <p:sp>
+        <p:nvSpPr>
+          <p:cNvPr id="2" name="Title 1">
+            <a:extLst>
+              <a:ext uri="{FF2B5EF4-FFF2-40B4-BE49-F238E27FC236}">
+                <a16:creationId xmlns:a16="http://schemas.microsoft.com/office/drawing/2014/main" id="{35729E02-5629-4472-A91C-01A4A09AA6A7}"/>
+              </a:ext>
+            </a:extLst>
+          </p:cNvPr>
+          <p:cNvSpPr>
+            <a:spLocks noGrp="1"/>
+          </p:cNvSpPr>
+          <p:nvPr>
+            <p:ph type="title"/>
+          </p:nvPr>
+        </p:nvSpPr>
+        <p:spPr/>
+        <p:txBody>
+          <a:bodyPr/>
+          <a:lstStyle/>
+          <a:p>
+            <a:r>
+              <a:rPr lang="en-CA" dirty="0"/>
+              <a:t>Check out the practice script and follow along</a:t>
+            </a:r>
+          </a:p>
+        </p:txBody>
+      </p:sp>
+      <p:sp>
+        <p:nvSpPr>
+          <p:cNvPr id="3" name="Content Placeholder 2">
+            <a:extLst>
+              <a:ext uri="{FF2B5EF4-FFF2-40B4-BE49-F238E27FC236}">
+                <a16:creationId xmlns:a16="http://schemas.microsoft.com/office/drawing/2014/main" id="{DE2A6CAE-5A98-4B0B-9A5B-331511B36141}"/>
+              </a:ext>
+            </a:extLst>
+          </p:cNvPr>
+          <p:cNvSpPr>
+            <a:spLocks noGrp="1"/>
+          </p:cNvSpPr>
+          <p:nvPr>
+            <p:ph idx="1"/>
+          </p:nvPr>
+        </p:nvSpPr>
+        <p:spPr/>
+        <p:txBody>
+          <a:bodyPr/>
+          <a:lstStyle/>
+          <a:p>
+            <a:r>
+              <a:rPr lang="en-CA" dirty="0"/>
+              <a:t>practice script “servo-example-variable-</a:t>
+            </a:r>
+            <a:r>
+              <a:rPr lang="en-CA" dirty="0" err="1"/>
+              <a:t>resistance.ino</a:t>
+            </a:r>
+            <a:r>
+              <a:rPr lang="en-CA" dirty="0"/>
+              <a:t>”</a:t>
+            </a:r>
+          </a:p>
+        </p:txBody>
+      </p:sp>
+    </p:spTree>
+    <p:extLst>
+      <p:ext uri="{BB962C8B-B14F-4D97-AF65-F5344CB8AC3E}">
+        <p14:creationId xmlns:p14="http://schemas.microsoft.com/office/powerpoint/2010/main" val="3560878504"/>
       </p:ext>
     </p:extLst>
   </p:cSld>

--- a/ECSE/Workshop-3/workshop3.pptx
+++ b/ECSE/Workshop-3/workshop3.pptx
@@ -266,7 +266,7 @@
           <a:p>
             <a:fld id="{CB4ED598-43EB-408A-9236-B45AB4DAC6D0}" type="datetimeFigureOut">
               <a:rPr lang="en-CA" smtClean="0"/>
-              <a:t>2020-01-24</a:t>
+              <a:t>2020-01-26</a:t>
             </a:fld>
             <a:endParaRPr lang="en-CA"/>
           </a:p>
@@ -466,7 +466,7 @@
           <a:p>
             <a:fld id="{CB4ED598-43EB-408A-9236-B45AB4DAC6D0}" type="datetimeFigureOut">
               <a:rPr lang="en-CA" smtClean="0"/>
-              <a:t>2020-01-24</a:t>
+              <a:t>2020-01-26</a:t>
             </a:fld>
             <a:endParaRPr lang="en-CA"/>
           </a:p>
@@ -676,7 +676,7 @@
           <a:p>
             <a:fld id="{CB4ED598-43EB-408A-9236-B45AB4DAC6D0}" type="datetimeFigureOut">
               <a:rPr lang="en-CA" smtClean="0"/>
-              <a:t>2020-01-24</a:t>
+              <a:t>2020-01-26</a:t>
             </a:fld>
             <a:endParaRPr lang="en-CA"/>
           </a:p>
@@ -766,6 +766,114 @@
           <a:chExt cx="0" cy="0"/>
         </a:xfrm>
       </p:grpSpPr>
+      <p:grpSp>
+        <p:nvGrpSpPr>
+          <p:cNvPr id="7" name="Group 6">
+            <a:extLst>
+              <a:ext uri="{FF2B5EF4-FFF2-40B4-BE49-F238E27FC236}">
+                <a16:creationId xmlns:a16="http://schemas.microsoft.com/office/drawing/2014/main" id="{2BD36CCA-664E-484E-87D6-48F201955C0B}"/>
+              </a:ext>
+            </a:extLst>
+          </p:cNvPr>
+          <p:cNvGrpSpPr/>
+          <p:nvPr userDrawn="1"/>
+        </p:nvGrpSpPr>
+        <p:grpSpPr>
+          <a:xfrm>
+            <a:off x="0" y="312875"/>
+            <a:ext cx="8406063" cy="1480905"/>
+            <a:chOff x="0" y="352062"/>
+            <a:chExt cx="8406063" cy="1480905"/>
+          </a:xfrm>
+        </p:grpSpPr>
+        <p:pic>
+          <p:nvPicPr>
+            <p:cNvPr id="8" name="Google Shape;66;p2" descr="A close up of a logo&#10;&#10;Description automatically generated">
+              <a:extLst>
+                <a:ext uri="{FF2B5EF4-FFF2-40B4-BE49-F238E27FC236}">
+                  <a16:creationId xmlns:a16="http://schemas.microsoft.com/office/drawing/2014/main" id="{D1854346-B55A-4C02-BCFD-C6BDFD86F715}"/>
+                </a:ext>
+              </a:extLst>
+            </p:cNvPr>
+            <p:cNvPicPr preferRelativeResize="0"/>
+            <p:nvPr userDrawn="1"/>
+          </p:nvPicPr>
+          <p:blipFill rotWithShape="1">
+            <a:blip r:embed="rId2">
+              <a:alphaModFix/>
+            </a:blip>
+            <a:srcRect/>
+            <a:stretch/>
+          </p:blipFill>
+          <p:spPr>
+            <a:xfrm>
+              <a:off x="0" y="352062"/>
+              <a:ext cx="8406063" cy="1480905"/>
+            </a:xfrm>
+            <a:prstGeom prst="rect">
+              <a:avLst/>
+            </a:prstGeom>
+            <a:solidFill>
+              <a:srgbClr val="FFFFFF"/>
+            </a:solidFill>
+            <a:ln>
+              <a:noFill/>
+            </a:ln>
+          </p:spPr>
+        </p:pic>
+        <p:sp>
+          <p:nvSpPr>
+            <p:cNvPr id="9" name="Rectangle 8">
+              <a:extLst>
+                <a:ext uri="{FF2B5EF4-FFF2-40B4-BE49-F238E27FC236}">
+                  <a16:creationId xmlns:a16="http://schemas.microsoft.com/office/drawing/2014/main" id="{66054D48-7861-477B-A476-409C7C0F5D80}"/>
+                </a:ext>
+              </a:extLst>
+            </p:cNvPr>
+            <p:cNvSpPr/>
+            <p:nvPr userDrawn="1"/>
+          </p:nvSpPr>
+          <p:spPr>
+            <a:xfrm>
+              <a:off x="5525589" y="438894"/>
+              <a:ext cx="2416628" cy="1307239"/>
+            </a:xfrm>
+            <a:prstGeom prst="rect">
+              <a:avLst/>
+            </a:prstGeom>
+            <a:solidFill>
+              <a:srgbClr val="E0E0E0"/>
+            </a:solidFill>
+            <a:ln>
+              <a:noFill/>
+            </a:ln>
+          </p:spPr>
+          <p:style>
+            <a:lnRef idx="2">
+              <a:schemeClr val="accent1">
+                <a:shade val="50000"/>
+              </a:schemeClr>
+            </a:lnRef>
+            <a:fillRef idx="1">
+              <a:schemeClr val="accent1"/>
+            </a:fillRef>
+            <a:effectRef idx="0">
+              <a:schemeClr val="accent1"/>
+            </a:effectRef>
+            <a:fontRef idx="minor">
+              <a:schemeClr val="lt1"/>
+            </a:fontRef>
+          </p:style>
+          <p:txBody>
+            <a:bodyPr rtlCol="0" anchor="ctr"/>
+            <a:lstStyle/>
+            <a:p>
+              <a:pPr algn="ctr"/>
+              <a:endParaRPr lang="en-CA"/>
+            </a:p>
+          </p:txBody>
+        </p:sp>
+      </p:grpSp>
       <p:sp>
         <p:nvSpPr>
           <p:cNvPr id="2" name="Title 1">
@@ -782,7 +890,12 @@
             <p:ph type="title"/>
           </p:nvPr>
         </p:nvSpPr>
-        <p:spPr/>
+        <p:spPr>
+          <a:xfrm>
+            <a:off x="3370216" y="352062"/>
+            <a:ext cx="4480561" cy="1325563"/>
+          </a:xfrm>
+        </p:spPr>
         <p:txBody>
           <a:bodyPr/>
           <a:lstStyle/>
@@ -811,45 +924,50 @@
             <p:ph idx="1"/>
           </p:nvPr>
         </p:nvSpPr>
-        <p:spPr/>
+        <p:spPr>
+          <a:xfrm>
+            <a:off x="838200" y="1972491"/>
+            <a:ext cx="10515600" cy="4204472"/>
+          </a:xfrm>
+        </p:spPr>
         <p:txBody>
           <a:bodyPr/>
           <a:lstStyle/>
           <a:p>
             <a:pPr lvl="0"/>
             <a:r>
-              <a:rPr lang="en-US"/>
+              <a:rPr lang="en-US" dirty="0"/>
               <a:t>Click to edit Master text styles</a:t>
             </a:r>
           </a:p>
           <a:p>
             <a:pPr lvl="1"/>
             <a:r>
-              <a:rPr lang="en-US"/>
+              <a:rPr lang="en-US" dirty="0"/>
               <a:t>Second level</a:t>
             </a:r>
           </a:p>
           <a:p>
             <a:pPr lvl="2"/>
             <a:r>
-              <a:rPr lang="en-US"/>
+              <a:rPr lang="en-US" dirty="0"/>
               <a:t>Third level</a:t>
             </a:r>
           </a:p>
           <a:p>
             <a:pPr lvl="3"/>
             <a:r>
-              <a:rPr lang="en-US"/>
+              <a:rPr lang="en-US" dirty="0"/>
               <a:t>Fourth level</a:t>
             </a:r>
           </a:p>
           <a:p>
             <a:pPr lvl="4"/>
             <a:r>
-              <a:rPr lang="en-US"/>
+              <a:rPr lang="en-US" dirty="0"/>
               <a:t>Fifth level</a:t>
             </a:r>
-            <a:endParaRPr lang="en-CA"/>
+            <a:endParaRPr lang="en-CA" dirty="0"/>
           </a:p>
         </p:txBody>
       </p:sp>
@@ -876,7 +994,7 @@
           <a:p>
             <a:fld id="{CB4ED598-43EB-408A-9236-B45AB4DAC6D0}" type="datetimeFigureOut">
               <a:rPr lang="en-CA" smtClean="0"/>
-              <a:t>2020-01-24</a:t>
+              <a:t>2020-01-26</a:t>
             </a:fld>
             <a:endParaRPr lang="en-CA"/>
           </a:p>
@@ -1152,7 +1270,7 @@
           <a:p>
             <a:fld id="{CB4ED598-43EB-408A-9236-B45AB4DAC6D0}" type="datetimeFigureOut">
               <a:rPr lang="en-CA" smtClean="0"/>
-              <a:t>2020-01-24</a:t>
+              <a:t>2020-01-26</a:t>
             </a:fld>
             <a:endParaRPr lang="en-CA"/>
           </a:p>
@@ -1242,6 +1360,114 @@
           <a:chExt cx="0" cy="0"/>
         </a:xfrm>
       </p:grpSpPr>
+      <p:grpSp>
+        <p:nvGrpSpPr>
+          <p:cNvPr id="8" name="Group 7">
+            <a:extLst>
+              <a:ext uri="{FF2B5EF4-FFF2-40B4-BE49-F238E27FC236}">
+                <a16:creationId xmlns:a16="http://schemas.microsoft.com/office/drawing/2014/main" id="{7C98BE14-20DE-416A-B73C-07C52F720FC8}"/>
+              </a:ext>
+            </a:extLst>
+          </p:cNvPr>
+          <p:cNvGrpSpPr/>
+          <p:nvPr userDrawn="1"/>
+        </p:nvGrpSpPr>
+        <p:grpSpPr>
+          <a:xfrm>
+            <a:off x="0" y="325937"/>
+            <a:ext cx="8406063" cy="1480905"/>
+            <a:chOff x="0" y="352062"/>
+            <a:chExt cx="8406063" cy="1480905"/>
+          </a:xfrm>
+        </p:grpSpPr>
+        <p:pic>
+          <p:nvPicPr>
+            <p:cNvPr id="9" name="Google Shape;66;p2" descr="A close up of a logo&#10;&#10;Description automatically generated">
+              <a:extLst>
+                <a:ext uri="{FF2B5EF4-FFF2-40B4-BE49-F238E27FC236}">
+                  <a16:creationId xmlns:a16="http://schemas.microsoft.com/office/drawing/2014/main" id="{834DCA0C-F917-4C5C-B298-D5C997E11E5C}"/>
+                </a:ext>
+              </a:extLst>
+            </p:cNvPr>
+            <p:cNvPicPr preferRelativeResize="0"/>
+            <p:nvPr userDrawn="1"/>
+          </p:nvPicPr>
+          <p:blipFill rotWithShape="1">
+            <a:blip r:embed="rId2">
+              <a:alphaModFix/>
+            </a:blip>
+            <a:srcRect/>
+            <a:stretch/>
+          </p:blipFill>
+          <p:spPr>
+            <a:xfrm>
+              <a:off x="0" y="352062"/>
+              <a:ext cx="8406063" cy="1480905"/>
+            </a:xfrm>
+            <a:prstGeom prst="rect">
+              <a:avLst/>
+            </a:prstGeom>
+            <a:solidFill>
+              <a:srgbClr val="FFFFFF"/>
+            </a:solidFill>
+            <a:ln>
+              <a:noFill/>
+            </a:ln>
+          </p:spPr>
+        </p:pic>
+        <p:sp>
+          <p:nvSpPr>
+            <p:cNvPr id="10" name="Rectangle 9">
+              <a:extLst>
+                <a:ext uri="{FF2B5EF4-FFF2-40B4-BE49-F238E27FC236}">
+                  <a16:creationId xmlns:a16="http://schemas.microsoft.com/office/drawing/2014/main" id="{5B6C935F-CCC3-4C6A-9F1F-7E5DF8085D7E}"/>
+                </a:ext>
+              </a:extLst>
+            </p:cNvPr>
+            <p:cNvSpPr/>
+            <p:nvPr userDrawn="1"/>
+          </p:nvSpPr>
+          <p:spPr>
+            <a:xfrm>
+              <a:off x="5525589" y="438894"/>
+              <a:ext cx="2416628" cy="1307239"/>
+            </a:xfrm>
+            <a:prstGeom prst="rect">
+              <a:avLst/>
+            </a:prstGeom>
+            <a:solidFill>
+              <a:srgbClr val="E0E0E0"/>
+            </a:solidFill>
+            <a:ln>
+              <a:noFill/>
+            </a:ln>
+          </p:spPr>
+          <p:style>
+            <a:lnRef idx="2">
+              <a:schemeClr val="accent1">
+                <a:shade val="50000"/>
+              </a:schemeClr>
+            </a:lnRef>
+            <a:fillRef idx="1">
+              <a:schemeClr val="accent1"/>
+            </a:fillRef>
+            <a:effectRef idx="0">
+              <a:schemeClr val="accent1"/>
+            </a:effectRef>
+            <a:fontRef idx="minor">
+              <a:schemeClr val="lt1"/>
+            </a:fontRef>
+          </p:style>
+          <p:txBody>
+            <a:bodyPr rtlCol="0" anchor="ctr"/>
+            <a:lstStyle/>
+            <a:p>
+              <a:pPr algn="ctr"/>
+              <a:endParaRPr lang="en-CA"/>
+            </a:p>
+          </p:txBody>
+        </p:sp>
+      </p:grpSp>
       <p:sp>
         <p:nvSpPr>
           <p:cNvPr id="2" name="Title 1">
@@ -1256,104 +1482,46 @@
           </p:cNvSpPr>
           <p:nvPr>
             <p:ph type="title"/>
-          </p:nvPr>
-        </p:nvSpPr>
-        <p:spPr/>
-        <p:txBody>
-          <a:bodyPr/>
-          <a:lstStyle/>
-          <a:p>
-            <a:r>
-              <a:rPr lang="en-US"/>
-              <a:t>Click to edit Master title style</a:t>
-            </a:r>
-            <a:endParaRPr lang="en-CA"/>
-          </a:p>
-        </p:txBody>
-      </p:sp>
-      <p:sp>
-        <p:nvSpPr>
-          <p:cNvPr id="3" name="Content Placeholder 2">
-            <a:extLst>
-              <a:ext uri="{FF2B5EF4-FFF2-40B4-BE49-F238E27FC236}">
-                <a16:creationId xmlns:a16="http://schemas.microsoft.com/office/drawing/2014/main" id="{5CCDF36F-02CC-4211-B462-76D4B4613AB8}"/>
-              </a:ext>
-            </a:extLst>
-          </p:cNvPr>
-          <p:cNvSpPr>
-            <a:spLocks noGrp="1"/>
-          </p:cNvSpPr>
-          <p:nvPr>
-            <p:ph sz="half" idx="1"/>
           </p:nvPr>
         </p:nvSpPr>
         <p:spPr>
           <a:xfrm>
-            <a:off x="838200" y="1825625"/>
-            <a:ext cx="5181600" cy="4351338"/>
+            <a:off x="3357154" y="352063"/>
+            <a:ext cx="4585063" cy="1325563"/>
           </a:xfrm>
         </p:spPr>
         <p:txBody>
           <a:bodyPr/>
           <a:lstStyle/>
           <a:p>
-            <a:pPr lvl="0"/>
-            <a:r>
-              <a:rPr lang="en-US"/>
-              <a:t>Click to edit Master text styles</a:t>
-            </a:r>
-          </a:p>
-          <a:p>
-            <a:pPr lvl="1"/>
-            <a:r>
-              <a:rPr lang="en-US"/>
-              <a:t>Second level</a:t>
-            </a:r>
-          </a:p>
-          <a:p>
-            <a:pPr lvl="2"/>
-            <a:r>
-              <a:rPr lang="en-US"/>
-              <a:t>Third level</a:t>
-            </a:r>
-          </a:p>
-          <a:p>
-            <a:pPr lvl="3"/>
-            <a:r>
-              <a:rPr lang="en-US"/>
-              <a:t>Fourth level</a:t>
-            </a:r>
-          </a:p>
-          <a:p>
-            <a:pPr lvl="4"/>
-            <a:r>
-              <a:rPr lang="en-US"/>
-              <a:t>Fifth level</a:t>
-            </a:r>
-            <a:endParaRPr lang="en-CA"/>
-          </a:p>
-        </p:txBody>
-      </p:sp>
-      <p:sp>
-        <p:nvSpPr>
-          <p:cNvPr id="4" name="Content Placeholder 3">
-            <a:extLst>
-              <a:ext uri="{FF2B5EF4-FFF2-40B4-BE49-F238E27FC236}">
-                <a16:creationId xmlns:a16="http://schemas.microsoft.com/office/drawing/2014/main" id="{EEBCF0AF-7764-4322-8AC7-91751350C645}"/>
-              </a:ext>
-            </a:extLst>
-          </p:cNvPr>
-          <p:cNvSpPr>
-            <a:spLocks noGrp="1"/>
-          </p:cNvSpPr>
-          <p:nvPr>
-            <p:ph sz="half" idx="2"/>
+            <a:r>
+              <a:rPr lang="en-US"/>
+              <a:t>Click to edit Master title style</a:t>
+            </a:r>
+            <a:endParaRPr lang="en-CA"/>
+          </a:p>
+        </p:txBody>
+      </p:sp>
+      <p:sp>
+        <p:nvSpPr>
+          <p:cNvPr id="3" name="Content Placeholder 2">
+            <a:extLst>
+              <a:ext uri="{FF2B5EF4-FFF2-40B4-BE49-F238E27FC236}">
+                <a16:creationId xmlns:a16="http://schemas.microsoft.com/office/drawing/2014/main" id="{5CCDF36F-02CC-4211-B462-76D4B4613AB8}"/>
+              </a:ext>
+            </a:extLst>
+          </p:cNvPr>
+          <p:cNvSpPr>
+            <a:spLocks noGrp="1"/>
+          </p:cNvSpPr>
+          <p:nvPr>
+            <p:ph sz="half" idx="1"/>
           </p:nvPr>
         </p:nvSpPr>
         <p:spPr>
           <a:xfrm>
-            <a:off x="6172200" y="1825625"/>
-            <a:ext cx="5181600" cy="4351338"/>
+            <a:off x="838200" y="1985553"/>
+            <a:ext cx="5181600" cy="4191409"/>
           </a:xfrm>
         </p:spPr>
         <p:txBody>
@@ -1399,6 +1567,69 @@
       </p:sp>
       <p:sp>
         <p:nvSpPr>
+          <p:cNvPr id="4" name="Content Placeholder 3">
+            <a:extLst>
+              <a:ext uri="{FF2B5EF4-FFF2-40B4-BE49-F238E27FC236}">
+                <a16:creationId xmlns:a16="http://schemas.microsoft.com/office/drawing/2014/main" id="{EEBCF0AF-7764-4322-8AC7-91751350C645}"/>
+              </a:ext>
+            </a:extLst>
+          </p:cNvPr>
+          <p:cNvSpPr>
+            <a:spLocks noGrp="1"/>
+          </p:cNvSpPr>
+          <p:nvPr>
+            <p:ph sz="half" idx="2"/>
+          </p:nvPr>
+        </p:nvSpPr>
+        <p:spPr>
+          <a:xfrm>
+            <a:off x="6172200" y="1985553"/>
+            <a:ext cx="5181600" cy="4191409"/>
+          </a:xfrm>
+        </p:spPr>
+        <p:txBody>
+          <a:bodyPr/>
+          <a:lstStyle/>
+          <a:p>
+            <a:pPr lvl="0"/>
+            <a:r>
+              <a:rPr lang="en-US"/>
+              <a:t>Click to edit Master text styles</a:t>
+            </a:r>
+          </a:p>
+          <a:p>
+            <a:pPr lvl="1"/>
+            <a:r>
+              <a:rPr lang="en-US"/>
+              <a:t>Second level</a:t>
+            </a:r>
+          </a:p>
+          <a:p>
+            <a:pPr lvl="2"/>
+            <a:r>
+              <a:rPr lang="en-US"/>
+              <a:t>Third level</a:t>
+            </a:r>
+          </a:p>
+          <a:p>
+            <a:pPr lvl="3"/>
+            <a:r>
+              <a:rPr lang="en-US"/>
+              <a:t>Fourth level</a:t>
+            </a:r>
+          </a:p>
+          <a:p>
+            <a:pPr lvl="4"/>
+            <a:r>
+              <a:rPr lang="en-US"/>
+              <a:t>Fifth level</a:t>
+            </a:r>
+            <a:endParaRPr lang="en-CA"/>
+          </a:p>
+        </p:txBody>
+      </p:sp>
+      <p:sp>
+        <p:nvSpPr>
           <p:cNvPr id="5" name="Date Placeholder 4">
             <a:extLst>
               <a:ext uri="{FF2B5EF4-FFF2-40B4-BE49-F238E27FC236}">
@@ -1420,7 +1651,7 @@
           <a:p>
             <a:fld id="{CB4ED598-43EB-408A-9236-B45AB4DAC6D0}" type="datetimeFigureOut">
               <a:rPr lang="en-CA" smtClean="0"/>
-              <a:t>2020-01-24</a:t>
+              <a:t>2020-01-26</a:t>
             </a:fld>
             <a:endParaRPr lang="en-CA"/>
           </a:p>
@@ -1835,7 +2066,7 @@
           <a:p>
             <a:fld id="{CB4ED598-43EB-408A-9236-B45AB4DAC6D0}" type="datetimeFigureOut">
               <a:rPr lang="en-CA" smtClean="0"/>
-              <a:t>2020-01-24</a:t>
+              <a:t>2020-01-26</a:t>
             </a:fld>
             <a:endParaRPr lang="en-CA"/>
           </a:p>
@@ -1977,7 +2208,7 @@
           <a:p>
             <a:fld id="{CB4ED598-43EB-408A-9236-B45AB4DAC6D0}" type="datetimeFigureOut">
               <a:rPr lang="en-CA" smtClean="0"/>
-              <a:t>2020-01-24</a:t>
+              <a:t>2020-01-26</a:t>
             </a:fld>
             <a:endParaRPr lang="en-CA"/>
           </a:p>
@@ -2090,7 +2321,7 @@
           <a:p>
             <a:fld id="{CB4ED598-43EB-408A-9236-B45AB4DAC6D0}" type="datetimeFigureOut">
               <a:rPr lang="en-CA" smtClean="0"/>
-              <a:t>2020-01-24</a:t>
+              <a:t>2020-01-26</a:t>
             </a:fld>
             <a:endParaRPr lang="en-CA"/>
           </a:p>
@@ -2403,7 +2634,7 @@
           <a:p>
             <a:fld id="{CB4ED598-43EB-408A-9236-B45AB4DAC6D0}" type="datetimeFigureOut">
               <a:rPr lang="en-CA" smtClean="0"/>
-              <a:t>2020-01-24</a:t>
+              <a:t>2020-01-26</a:t>
             </a:fld>
             <a:endParaRPr lang="en-CA"/>
           </a:p>
@@ -2692,7 +2923,7 @@
           <a:p>
             <a:fld id="{CB4ED598-43EB-408A-9236-B45AB4DAC6D0}" type="datetimeFigureOut">
               <a:rPr lang="en-CA" smtClean="0"/>
-              <a:t>2020-01-24</a:t>
+              <a:t>2020-01-26</a:t>
             </a:fld>
             <a:endParaRPr lang="en-CA"/>
           </a:p>
@@ -2935,7 +3166,7 @@
           <a:p>
             <a:fld id="{CB4ED598-43EB-408A-9236-B45AB4DAC6D0}" type="datetimeFigureOut">
               <a:rPr lang="en-CA" smtClean="0"/>
-              <a:t>2020-01-24</a:t>
+              <a:t>2020-01-26</a:t>
             </a:fld>
             <a:endParaRPr lang="en-CA"/>
           </a:p>
@@ -3338,6 +3569,17 @@
 <file path=ppt/slides/slide1.xml><?xml version="1.0" encoding="utf-8"?>
 <p:sld xmlns:a="http://schemas.openxmlformats.org/drawingml/2006/main" xmlns:r="http://schemas.openxmlformats.org/officeDocument/2006/relationships" xmlns:p="http://schemas.openxmlformats.org/presentationml/2006/main">
   <p:cSld>
+    <p:bg>
+      <p:bgPr>
+        <a:solidFill>
+          <a:schemeClr val="bg1">
+            <a:tint val="95000"/>
+            <a:satMod val="170000"/>
+          </a:schemeClr>
+        </a:solidFill>
+        <a:effectLst/>
+      </p:bgPr>
+    </p:bg>
     <p:spTree>
       <p:nvGrpSpPr>
         <p:cNvPr id="1" name=""/>
@@ -3370,18 +3612,19 @@
         </p:nvSpPr>
         <p:spPr>
           <a:xfrm>
-            <a:off x="1524000" y="1122363"/>
-            <a:ext cx="9144000" cy="3052072"/>
+            <a:off x="6746628" y="1783959"/>
+            <a:ext cx="4645250" cy="2889114"/>
           </a:xfrm>
         </p:spPr>
         <p:txBody>
-          <a:bodyPr>
+          <a:bodyPr anchor="b">
             <a:normAutofit/>
           </a:bodyPr>
           <a:lstStyle/>
           <a:p>
-            <a:r>
-              <a:rPr lang="en-US" dirty="0"/>
+            <a:pPr algn="l"/>
+            <a:r>
+              <a:rPr lang="en-US" sz="4200" dirty="0"/>
               <a:t>Workshop 3: Using Arduino: Button matrix. Resistors and analog inputs</a:t>
             </a:r>
           </a:p>
@@ -3405,18 +3648,288 @@
         </p:nvSpPr>
         <p:spPr>
           <a:xfrm>
-            <a:off x="1524000" y="4320208"/>
-            <a:ext cx="9144000" cy="937591"/>
+            <a:off x="6746627" y="4750893"/>
+            <a:ext cx="4645250" cy="1147863"/>
           </a:xfrm>
         </p:spPr>
         <p:txBody>
-          <a:bodyPr/>
-          <a:lstStyle/>
-          <a:p>
-            <a:endParaRPr lang="en-CA" dirty="0"/>
-          </a:p>
-        </p:txBody>
-      </p:sp>
+          <a:bodyPr anchor="t">
+            <a:normAutofit/>
+          </a:bodyPr>
+          <a:lstStyle/>
+          <a:p>
+            <a:pPr algn="l"/>
+            <a:endParaRPr lang="en-CA" sz="2000"/>
+          </a:p>
+        </p:txBody>
+      </p:sp>
+      <p:sp>
+        <p:nvSpPr>
+          <p:cNvPr id="13" name="Freeform: Shape 8">
+            <a:extLst>
+              <a:ext uri="{FF2B5EF4-FFF2-40B4-BE49-F238E27FC236}">
+                <a16:creationId xmlns:a16="http://schemas.microsoft.com/office/drawing/2014/main" id="{1DB7C82F-AB7E-4F0C-B829-FA1B9C415180}"/>
+              </a:ext>
+              <a:ext uri="{C183D7F6-B498-43B3-948B-1728B52AA6E4}">
+                <adec:decorative xmlns:adec="http://schemas.microsoft.com/office/drawing/2017/decorative" val="1"/>
+              </a:ext>
+            </a:extLst>
+          </p:cNvPr>
+          <p:cNvSpPr>
+            <a:spLocks noGrp="1" noRot="1" noChangeAspect="1" noMove="1" noResize="1" noEditPoints="1" noAdjustHandles="1" noChangeArrowheads="1" noChangeShapeType="1" noTextEdit="1"/>
+          </p:cNvSpPr>
+          <p:nvPr>
+            <p:extLst>
+              <p:ext uri="{386F3935-93C4-4BCD-93E2-E3B085C9AB24}">
+                <p16:designElem xmlns:p16="http://schemas.microsoft.com/office/powerpoint/2015/main" val="1"/>
+              </p:ext>
+            </p:extLst>
+          </p:nvPr>
+        </p:nvSpPr>
+        <p:spPr>
+          <a:xfrm flipH="1">
+            <a:off x="0" y="0"/>
+            <a:ext cx="6172782" cy="6858000"/>
+          </a:xfrm>
+          <a:custGeom>
+            <a:avLst/>
+            <a:gdLst>
+              <a:gd name="connsiteX0" fmla="*/ 6172782 w 6172782"/>
+              <a:gd name="connsiteY0" fmla="*/ 0 h 6858000"/>
+              <a:gd name="connsiteX1" fmla="*/ 69075 w 6172782"/>
+              <a:gd name="connsiteY1" fmla="*/ 0 h 6858000"/>
+              <a:gd name="connsiteX2" fmla="*/ 35131 w 6172782"/>
+              <a:gd name="connsiteY2" fmla="*/ 267128 h 6858000"/>
+              <a:gd name="connsiteX3" fmla="*/ 0 w 6172782"/>
+              <a:gd name="connsiteY3" fmla="*/ 962845 h 6858000"/>
+              <a:gd name="connsiteX4" fmla="*/ 3276103 w 6172782"/>
+              <a:gd name="connsiteY4" fmla="*/ 6782205 h 6858000"/>
+              <a:gd name="connsiteX5" fmla="*/ 3407923 w 6172782"/>
+              <a:gd name="connsiteY5" fmla="*/ 6858000 h 6858000"/>
+              <a:gd name="connsiteX6" fmla="*/ 6172782 w 6172782"/>
+              <a:gd name="connsiteY6" fmla="*/ 6858000 h 6858000"/>
+            </a:gdLst>
+            <a:ahLst/>
+            <a:cxnLst>
+              <a:cxn ang="0">
+                <a:pos x="connsiteX0" y="connsiteY0"/>
+              </a:cxn>
+              <a:cxn ang="0">
+                <a:pos x="connsiteX1" y="connsiteY1"/>
+              </a:cxn>
+              <a:cxn ang="0">
+                <a:pos x="connsiteX2" y="connsiteY2"/>
+              </a:cxn>
+              <a:cxn ang="0">
+                <a:pos x="connsiteX3" y="connsiteY3"/>
+              </a:cxn>
+              <a:cxn ang="0">
+                <a:pos x="connsiteX4" y="connsiteY4"/>
+              </a:cxn>
+              <a:cxn ang="0">
+                <a:pos x="connsiteX5" y="connsiteY5"/>
+              </a:cxn>
+              <a:cxn ang="0">
+                <a:pos x="connsiteX6" y="connsiteY6"/>
+              </a:cxn>
+            </a:cxnLst>
+            <a:rect l="l" t="t" r="r" b="b"/>
+            <a:pathLst>
+              <a:path w="6172782" h="6858000">
+                <a:moveTo>
+                  <a:pt x="6172782" y="0"/>
+                </a:moveTo>
+                <a:lnTo>
+                  <a:pt x="69075" y="0"/>
+                </a:lnTo>
+                <a:lnTo>
+                  <a:pt x="35131" y="267128"/>
+                </a:lnTo>
+                <a:cubicBezTo>
+                  <a:pt x="11901" y="495874"/>
+                  <a:pt x="0" y="727970"/>
+                  <a:pt x="0" y="962845"/>
+                </a:cubicBezTo>
+                <a:cubicBezTo>
+                  <a:pt x="0" y="3429034"/>
+                  <a:pt x="1312002" y="5588789"/>
+                  <a:pt x="3276103" y="6782205"/>
+                </a:cubicBezTo>
+                <a:lnTo>
+                  <a:pt x="3407923" y="6858000"/>
+                </a:lnTo>
+                <a:lnTo>
+                  <a:pt x="6172782" y="6858000"/>
+                </a:lnTo>
+                <a:close/>
+              </a:path>
+            </a:pathLst>
+          </a:custGeom>
+          <a:solidFill>
+            <a:srgbClr val="FFFFFF">
+              <a:alpha val="80000"/>
+            </a:srgbClr>
+          </a:solidFill>
+          <a:ln>
+            <a:noFill/>
+          </a:ln>
+        </p:spPr>
+        <p:style>
+          <a:lnRef idx="2">
+            <a:schemeClr val="accent1">
+              <a:shade val="50000"/>
+            </a:schemeClr>
+          </a:lnRef>
+          <a:fillRef idx="1">
+            <a:schemeClr val="accent1"/>
+          </a:fillRef>
+          <a:effectRef idx="0">
+            <a:schemeClr val="accent1"/>
+          </a:effectRef>
+          <a:fontRef idx="minor">
+            <a:schemeClr val="lt1"/>
+          </a:fontRef>
+        </p:style>
+        <p:txBody>
+          <a:bodyPr wrap="square" rtlCol="0" anchor="ctr">
+            <a:noAutofit/>
+          </a:bodyPr>
+          <a:lstStyle/>
+          <a:p>
+            <a:pPr marL="0" marR="0" lvl="0" indent="0" algn="ctr" defTabSz="914400" rtl="0" eaLnBrk="1" fontAlgn="auto" latinLnBrk="0" hangingPunct="1">
+              <a:lnSpc>
+                <a:spcPct val="100000"/>
+              </a:lnSpc>
+              <a:spcBef>
+                <a:spcPts val="0"/>
+              </a:spcBef>
+              <a:spcAft>
+                <a:spcPts val="0"/>
+              </a:spcAft>
+              <a:buClrTx/>
+              <a:buSzTx/>
+              <a:buFontTx/>
+              <a:buNone/>
+              <a:tabLst/>
+              <a:defRPr/>
+            </a:pPr>
+            <a:endParaRPr kumimoji="0" lang="en-US" sz="1800" b="0" i="0" u="none" strike="noStrike" kern="1200" cap="none" spc="0" normalizeH="0" baseline="0" noProof="0">
+              <a:ln>
+                <a:noFill/>
+              </a:ln>
+              <a:solidFill>
+                <a:prstClr val="white"/>
+              </a:solidFill>
+              <a:effectLst/>
+              <a:uLnTx/>
+              <a:uFillTx/>
+              <a:latin typeface="Calibri" panose="020F0502020204030204"/>
+              <a:ea typeface="+mn-ea"/>
+              <a:cs typeface="+mn-cs"/>
+            </a:endParaRPr>
+          </a:p>
+        </p:txBody>
+      </p:sp>
+      <p:pic>
+        <p:nvPicPr>
+          <p:cNvPr id="14" name="Picture 4">
+            <a:extLst>
+              <a:ext uri="{FF2B5EF4-FFF2-40B4-BE49-F238E27FC236}">
+                <a16:creationId xmlns:a16="http://schemas.microsoft.com/office/drawing/2014/main" id="{21C32AE7-6118-41F0-881C-206BFBF447A0}"/>
+              </a:ext>
+            </a:extLst>
+          </p:cNvPr>
+          <p:cNvPicPr>
+            <a:picLocks noChangeAspect="1"/>
+          </p:cNvPicPr>
+          <p:nvPr/>
+        </p:nvPicPr>
+        <p:blipFill rotWithShape="1">
+          <a:blip r:embed="rId2"/>
+          <a:srcRect l="14548" r="26817" b="-1"/>
+          <a:stretch/>
+        </p:blipFill>
+        <p:spPr>
+          <a:xfrm>
+            <a:off x="20" y="10"/>
+            <a:ext cx="6024134" cy="6857990"/>
+          </a:xfrm>
+          <a:custGeom>
+            <a:avLst/>
+            <a:gdLst>
+              <a:gd name="connsiteX0" fmla="*/ 0 w 6024154"/>
+              <a:gd name="connsiteY0" fmla="*/ 0 h 6858000"/>
+              <a:gd name="connsiteX1" fmla="*/ 5953780 w 6024154"/>
+              <a:gd name="connsiteY1" fmla="*/ 0 h 6858000"/>
+              <a:gd name="connsiteX2" fmla="*/ 5989880 w 6024154"/>
+              <a:gd name="connsiteY2" fmla="*/ 284091 h 6858000"/>
+              <a:gd name="connsiteX3" fmla="*/ 6024154 w 6024154"/>
+              <a:gd name="connsiteY3" fmla="*/ 962844 h 6858000"/>
+              <a:gd name="connsiteX4" fmla="*/ 2549934 w 6024154"/>
+              <a:gd name="connsiteY4" fmla="*/ 6800152 h 6858000"/>
+              <a:gd name="connsiteX5" fmla="*/ 2436987 w 6024154"/>
+              <a:gd name="connsiteY5" fmla="*/ 6858000 h 6858000"/>
+              <a:gd name="connsiteX6" fmla="*/ 0 w 6024154"/>
+              <a:gd name="connsiteY6" fmla="*/ 6858000 h 6858000"/>
+            </a:gdLst>
+            <a:ahLst/>
+            <a:cxnLst>
+              <a:cxn ang="0">
+                <a:pos x="connsiteX0" y="connsiteY0"/>
+              </a:cxn>
+              <a:cxn ang="0">
+                <a:pos x="connsiteX1" y="connsiteY1"/>
+              </a:cxn>
+              <a:cxn ang="0">
+                <a:pos x="connsiteX2" y="connsiteY2"/>
+              </a:cxn>
+              <a:cxn ang="0">
+                <a:pos x="connsiteX3" y="connsiteY3"/>
+              </a:cxn>
+              <a:cxn ang="0">
+                <a:pos x="connsiteX4" y="connsiteY4"/>
+              </a:cxn>
+              <a:cxn ang="0">
+                <a:pos x="connsiteX5" y="connsiteY5"/>
+              </a:cxn>
+              <a:cxn ang="0">
+                <a:pos x="connsiteX6" y="connsiteY6"/>
+              </a:cxn>
+            </a:cxnLst>
+            <a:rect l="l" t="t" r="r" b="b"/>
+            <a:pathLst>
+              <a:path w="6024154" h="6858000">
+                <a:moveTo>
+                  <a:pt x="0" y="0"/>
+                </a:moveTo>
+                <a:lnTo>
+                  <a:pt x="5953780" y="0"/>
+                </a:lnTo>
+                <a:lnTo>
+                  <a:pt x="5989880" y="284091"/>
+                </a:lnTo>
+                <a:cubicBezTo>
+                  <a:pt x="6012544" y="507260"/>
+                  <a:pt x="6024154" y="733696"/>
+                  <a:pt x="6024154" y="962844"/>
+                </a:cubicBezTo>
+                <a:cubicBezTo>
+                  <a:pt x="6024154" y="3483472"/>
+                  <a:pt x="4619336" y="5675986"/>
+                  <a:pt x="2549934" y="6800152"/>
+                </a:cubicBezTo>
+                <a:lnTo>
+                  <a:pt x="2436987" y="6858000"/>
+                </a:lnTo>
+                <a:lnTo>
+                  <a:pt x="0" y="6858000"/>
+                </a:lnTo>
+                <a:close/>
+              </a:path>
+            </a:pathLst>
+          </a:custGeom>
+        </p:spPr>
+      </p:pic>
     </p:spTree>
     <p:extLst>
       <p:ext uri="{BB962C8B-B14F-4D97-AF65-F5344CB8AC3E}">
@@ -3425,7 +3938,7 @@
     </p:extLst>
   </p:cSld>
   <p:clrMapOvr>
-    <a:masterClrMapping/>
+    <a:overrideClrMapping bg1="dk1" tx1="lt1" bg2="dk2" tx2="lt2" accent1="accent1" accent2="accent2" accent3="accent3" accent4="accent4" accent5="accent5" accent6="accent6" hlink="hlink" folHlink="folHlink"/>
   </p:clrMapOvr>
 </p:sld>
 </file>
@@ -3504,7 +4017,7 @@
           <a:p>
             <a:r>
               <a:rPr lang="en-CA" dirty="0"/>
-              <a:t>- Project: potentiometer + servo robotic arm</a:t>
+              <a:t>- Project: potentiometer + servo</a:t>
             </a:r>
           </a:p>
           <a:p>
@@ -3862,11 +4375,13 @@
         </p:nvSpPr>
         <p:spPr/>
         <p:txBody>
-          <a:bodyPr/>
-          <a:lstStyle/>
-          <a:p>
-            <a:r>
-              <a:rPr lang="en-CA" dirty="0"/>
+          <a:bodyPr>
+            <a:noAutofit/>
+          </a:bodyPr>
+          <a:lstStyle/>
+          <a:p>
+            <a:r>
+              <a:rPr lang="en-CA" sz="3200" dirty="0"/>
               <a:t>Using a variable resistance to control a servo</a:t>
             </a:r>
           </a:p>
@@ -3983,7 +4498,7 @@
           <a:p>
             <a:r>
               <a:rPr lang="en-CA" dirty="0"/>
-              <a:t>Check out the practice script and follow along</a:t>
+              <a:t>Check out the practice scripts</a:t>
             </a:r>
           </a:p>
         </p:txBody>
@@ -4020,6 +4535,12 @@
             <a:r>
               <a:rPr lang="en-CA" dirty="0"/>
               <a:t>”</a:t>
+            </a:r>
+          </a:p>
+          <a:p>
+            <a:r>
+              <a:rPr lang="en-CA" dirty="0"/>
+              <a:t>practice script “LED-matrix”</a:t>
             </a:r>
           </a:p>
         </p:txBody>

--- a/ECSE/Workshop-3/workshop3.pptx
+++ b/ECSE/Workshop-3/workshop3.pptx
@@ -11,6 +11,8 @@
     <p:sldId id="259" r:id="rId5"/>
     <p:sldId id="260" r:id="rId6"/>
     <p:sldId id="261" r:id="rId7"/>
+    <p:sldId id="262" r:id="rId8"/>
+    <p:sldId id="263" r:id="rId9"/>
   </p:sldIdLst>
   <p:sldSz cx="12192000" cy="6858000"/>
   <p:notesSz cx="6858000" cy="9144000"/>
@@ -115,6 +117,88 @@
     </p:ext>
   </p:extLst>
 </p:presentation>
+</file>
+
+<file path=ppt/ink/ink1.xml><?xml version="1.0" encoding="utf-8"?>
+<inkml:ink xmlns:inkml="http://www.w3.org/2003/InkML">
+  <inkml:definitions>
+    <inkml:context xml:id="ctx0">
+      <inkml:inkSource xml:id="inkSrc0">
+        <inkml:traceFormat>
+          <inkml:channel name="X" type="integer" max="3264" units="cm"/>
+          <inkml:channel name="Y" type="integer" max="1856" units="cm"/>
+          <inkml:channel name="T" type="integer" max="2.14748E9" units="dev"/>
+        </inkml:traceFormat>
+        <inkml:channelProperties>
+          <inkml:channelProperty channel="X" name="resolution" value="127.5" units="1/cm"/>
+          <inkml:channelProperty channel="Y" name="resolution" value="128.88889" units="1/cm"/>
+          <inkml:channelProperty channel="T" name="resolution" value="1" units="1/dev"/>
+        </inkml:channelProperties>
+      </inkml:inkSource>
+      <inkml:timestamp xml:id="ts0" timeString="2020-01-26T20:03:21.382"/>
+    </inkml:context>
+    <inkml:brush xml:id="br0">
+      <inkml:brushProperty name="width" value="0.05292" units="cm"/>
+      <inkml:brushProperty name="height" value="0.05292" units="cm"/>
+      <inkml:brushProperty name="color" value="#FF0000"/>
+    </inkml:brush>
+    <inkml:brush xml:id="br1">
+      <inkml:brushProperty name="width" value="0.05292" units="cm"/>
+      <inkml:brushProperty name="height" value="0.05292" units="cm"/>
+      <inkml:brushProperty name="color" value="#FFC000"/>
+    </inkml:brush>
+    <inkml:brush xml:id="br2">
+      <inkml:brushProperty name="width" value="0.05292" units="cm"/>
+      <inkml:brushProperty name="height" value="0.05292" units="cm"/>
+      <inkml:brushProperty name="color" value="#00B0F0"/>
+    </inkml:brush>
+    <inkml:brush xml:id="br3">
+      <inkml:brushProperty name="width" value="0.05292" units="cm"/>
+      <inkml:brushProperty name="height" value="0.05292" units="cm"/>
+      <inkml:brushProperty name="color" value="#7030A0"/>
+    </inkml:brush>
+  </inkml:definitions>
+  <inkml:trace contextRef="#ctx0" brushRef="#br0">4254 4981 0,'0'0'0,"0"0"16,0 0-16,0 0 15,0-16 1,-17-34-16,0-66 15,0-17-15,1 0 16,16 17 0,0-17-16,0 0 15,0 1-15,16-18 16,1 1-16,17-17 16,33-17-1,0 1-15,0 33 16,0-1-16,17 17 15,-16 17 1,-1 33-16,0 17 16,0 0-16,-16 16 15,16 17 1,0-1-16,50 18 16,18 32-16,-1 18 15,0 15 1,18 34-16,-35 34 15,-33-18-15,-17 1 16,-16-1 0,-18 1-16,1-17 15,-1 16 1,1 1-16,-17-1 16,0 1-16,16 0 15,-16-1-15,0-16 16,16-16-1,-16-18-15,0 18 16,0-34-16,0 0 16,-1 0-1,1-16-15,0-1 16,-17 1-16,0 0 16,0-1-16,0 1 15,0-1 1,0 1-16,0 0 15,0 16 1,0 0-16,0 0 16,0-16-16,0 16 15,0-16-15,0-1 16,0 17 0,0 1-16,0-1 15,-17 0 1,17 0-16,0 0 15,0 1-15,-17-18 16,1 17-16,16-16 16,0 0-1,-17 16-15,17 0 16,0 0-16,0 0 16,0 0-1,0 1-15,0-1 16,0-17-16,0 1 15,0 0 1,0-1-16,-17 1 16,17-1-16,0 1 15,0 0 1,-17-1-16,0 1 16,17-1-16,-16 1 15,-1 0 1,-17-1-16,-33-16 15,-51 17-15,-49-17 16,-1 0 0,0-17-16,17 1 15,-1 16-15,-32 0 16,-51 0-16,50 16 16,34 1-1,50-1-15,34-16 16,16 0-16,18 0 15,33 0 1,0 0-16,0 0 16</inkml:trace>
+  <inkml:trace contextRef="#ctx0" brushRef="#br0" timeOffset="1219.117">11273 4732 0,'0'0'0,"0"0"16,0 0-16,0 0 15,0 0-15,0 0 16,0 0-16,0 0 16,-16-16-1,-18-51-15,-16-16 16,-1-33-16,18-33 16,-1-50-1,17-50-15,17-17 16,17 17-16,0-33 15,16 17 1,35-1-16,-1 84 16,17 49-16,-17 0 15,0 33 1,0 18-16,17 15 16,17 17-16,33 17 15,34 33-15,-17 33 16,-33 17-1,-1 33-15,1 50 16,33 99-16,34 50 16,0-16-1,-1 16-15,1 17 16,-67-50-16,-34-100 16,0 0-1,-34-33-15,-17-33 16,1-16-16,-17-17 15,0-1 1,-17-32-16,0 0 16,0-1-16,0-16 15,0 0 1,0 0-16,-17-16 16,-34-34-16,-49-17 15,-51 1 1,-51 16-16,34 34 15,0-1-15,51 17 16,-18 17 0,-33 16-16,-50 0 15,0 17-15,50-17 16,33 17 0,18 0-16,-1-1 15,34 1-15,34-17 16,33-16-16,17-17 15</inkml:trace>
+  <inkml:trace contextRef="#ctx0" brushRef="#br0" timeOffset="2179.356">18662 4965 0,'0'0'16,"0"0"-16,0 0 15,0 0 1,0-17-16,-17-16 16,1-17-16,-18-33 15,-16-16-15,16-18 16,1 1 0,16-50-16,34-16 15,16-51-15,17 1 16,18-17-1,32-50-15,-16 17 16,-16 33-16,-1 50 16,0 33-1,0 17-15,0 33 16,0 33-16,1 33 16,16 17-1,33 33-15,34 50 16,-16 49-16,-1 34 15,51 83 1,16-1-16,17-16 16,-16-16-16,-51-34 15,-33 34-15,-18 16 16,-16 33 0,0-32-16,-16-1 15,-1-17-15,-17-16 16,-33-50-1,0-16-15,-17-34 16,0-32-16,-17-18 16,0 1-1,-16-17-15,-18-17 16,-33 1-16,-50-18 16,-68 18-1,-33 16-15,34 33 16,33 0-16,-34 17 15,-50 33 1,51 0-16,50-17 16,33 1-16,34-18 15,34 1 1,33-33-16,17-17 16,0 0-16</inkml:trace>
+  <inkml:trace contextRef="#ctx0" brushRef="#br0" timeOffset="3336.487">4858 12598 0,'0'0'0,"0"0"16,0 0-1,0 0-15,0 0 16,-16 0-16,-1 0 16,-17-16-1,1-1-15,-1-33 16,-33-32-16,0-35 16,16-32-1,1-50-15,16 16 16,34-66-16,17-116 15,33 50 1,51 33-16,50-50 16,-16 50-16,-1 83 15,0 33-15,68 16 16,50 51 0,-34 66-16,-67 49 15,0 17-15,51 67 16,16 82-1,1 84-15,-85-34 16,-50-16-16,0 50 16,-34-34-1,-16-16-15,-17-34 16,-1-32-16,1-18 16,-17-32-1,17-17-15,-17-17 16,0-16-16,0-17 15,0 0 1,17 17-16,-17 0 16,0 16-16,0 17 15,-17 0 1,-17 17-16,-33 0 16,0 16-16,-34 0 15,-33-17 1,-17-32-16,33-34 15,17 0-15,1-16 16,-35-1 0,-16-16-16,-50-16 15,33-1-15,33 1 16,51-1 0,17 0-16,17 17 15,16 0-15,34 0 16,0 0-1</inkml:trace>
+  <inkml:trace contextRef="#ctx0" brushRef="#br0" timeOffset="4534.785">12449 12184 0,'0'0'0,"0"0"0,0 0 16,0 0 0,0 0-16,0 0 15,-17 0-15,0 0 16,-16-17-1,-1-16-15,0-17 16,1-16-16,-1-17 16,1 0-1,-1 0-15,1-33 16,16-34-16,17-32 16,0-51-16,0 34 15,17 50 1,16-1-16,1 1 15,16-33-15,0 16 16,18 16 0,-1 1-16,17-1 15,0 18 1,33-1-16,51 17 16,17 33-16,0 33 15,-51 33 1,-16 34-16,-1 16 15,68 50-15,33 33 16,0 67-16,-50 49 16,-16 17-1,-68-16-15,-1 15 16,-15 1-16,-18-33 16,-16-50-1,-18-50-15,1 0 16,0-16-16,0-17 15,0 17 1,-1-1-16,-16-16 16,17 0-16,-17-17 15,0-16 1,0 0-16,0-17 16,-17 0-16,1 1 15,-18 15 1,0-15-16,-50 15 15,-67 1-15,-84 17 16,0-34 0,50-17-16,1-16 15,-1-16-15,17-17 16,-17-17-16,51 0 16,33 0-1,0 17-15,34 0 16,17 16-16,-1 1 15,1-1 1,17 17-16,16 0 16,17 0-1,0-17-15,67-82 16,-67 99-16</inkml:trace>
+  <inkml:trace contextRef="#ctx0" brushRef="#br0" timeOffset="5620.06">20745 11404 0,'0'0'15,"0"0"-15,0 0 16,0 0 0,0 0-16,0 0 15,-17 0 1,-34-17-16,-33-16 16,-16-34-16,-18-16 15,1-33 1,33 0-16,0-17 15,16 50-15,35 0 16,16-16 0,17-34-16,17-16 15,16-17-15,1 0 16,33-17-16,51 17 16,33 17-1,50 0-15,-16 16 16,-34 33-16,0 17 15,51 17 1,67 0-16,-51 66 16,-50 16-16,0 34 15,84 66 1,0 17-16,-51 0 16,-33-1-16,-50 1 15,-1 33 1,-33 17-16,0-17 15,-17 0-15,-33 16 16,-1 17 0,-16 17-16,-17-33 15,-17-34-15,-16 0 16,-18-16 0,-32 0-16,-18 0 15,-84-1-15,-50 1 16,33-33-1,34-34-15,-16-16 16,-51 0-16,0-17 16,67-33-1,50-17-15,1-33 16,16-16-16,17 0 16,33-1-1,18 1-15,16-1 16,0 18-16,17-34 15,34-17-15,50-49 16,-84 149 0</inkml:trace>
+  <inkml:trace contextRef="#ctx0" brushRef="#br0" timeOffset="10005.862">5026 5446 0,'0'0'15,"0"0"-15,0 0 16,0 0-16,0 0 15,17 16 1,-17 1-16,0 0 16,0 16-16,0 0 15,17 0 1,0 17-16,-1 0 16,1 0-16,-17 16 15,0 0 1,0 1-16,0-1 15,0 17-15,0-17 16,0 1-16,0-1 16,0-16-1,0 0-15,0 0 16,0-17-16,0 0 16,0 0-1,0-16-15,0-1 16,0-16-16,0 0 15,0 0 1,0 0-16,0 0 16,0 0-16</inkml:trace>
+  <inkml:trace contextRef="#ctx0" brushRef="#br0" timeOffset="10529.98">6286 5330 0,'0'0'0,"0"0"15,0 0-15,0 0 16,0 0-16,0 16 15,0 18 1,0 15-16,0 34 16,0 0-16,17 0 15,-1 0 1,-16 0-16,0-16 16,0-1-16,0 0 15,0-16 1,0 0-16,17 0 15,-17-17-15,17 0 16,-17-16 0,17-1-16,-17-16 15,17 17-15,-17-17 16</inkml:trace>
+  <inkml:trace contextRef="#ctx0" brushRef="#br0" timeOffset="11287.11">11811 4616 0,'0'0'0,"0"0"15,0 0-15,0 0 16,0 0 0,0 0-16,0 17 15,0 49-15,16 50 16,1 0 0,-17-16-16,0 0 15,0-17-15,-17 16 16,17 1-1,0-1-15,17 1 16,0-17-16,0 0 16,0-17-1,16-16-15,-33-50 16</inkml:trace>
+  <inkml:trace contextRef="#ctx0" brushRef="#br0" timeOffset="11620.192">13020 4550 0,'0'0'16,"0"0"-16,0 0 16,17 33-16,16 33 15,1 17 1,-17 17-16,-17 16 16,0 0-16,0 34 15,0 16-15,0 49 16,16-32-1,18-34-15,16-16 16,-50-133-16</inkml:trace>
+  <inkml:trace contextRef="#ctx0" brushRef="#br0" timeOffset="12293.364">19888 4782 0,'0'0'16,"0"0"-1,0 0-15,0 17 16,-17 16-16,1 33 16,-1 1-1,17 16-15,-17 16 16,17 1-16,17 16 15,0 0-15,-1-16 16,1-17 0,0-17-16,0-16 15,0 0-15,-1-1 16,-16-49 0</inkml:trace>
+  <inkml:trace contextRef="#ctx0" brushRef="#br0" timeOffset="12589.437">21198 4865 0,'0'0'16,"0"17"-16,17 66 16,50 66-1,17 50-15,-34-33 16,-16-66-16,-17-17 16,-1-17-1,-16 0-15,0 1 16,0-67-16</inkml:trace>
+  <inkml:trace contextRef="#ctx0" brushRef="#br0" timeOffset="13380.603">12684 13030 0,'0'0'0,"0"0"16,0 0 0,0 0-16,0 0 15,0 0-15,0 0 16,17 17-16,16-1 15,-16 17 1,0 1-16,0 32 16,-1 0-1,-16 17-15,17 0 16,0 33-16,-17-33 16,0 17-16,0 0 15,17-1 1,-17-16-16,0-17 15,0-16-15,17-17 16,-1-16 0,-16-17-16</inkml:trace>
+  <inkml:trace contextRef="#ctx0" brushRef="#br0" timeOffset="13757.699">14363 12482 0,'0'0'16,"0"0"-16,0 17 16,17 33-16,0 33 15,-17 66 1,-17 0-16,17-16 16,0-17-16,0-16 15,0-1 1,17 1-16,0-34 15,-17-16-15,16 0 16,1 0 0,-17-50-16</inkml:trace>
+  <inkml:trace contextRef="#ctx0" brushRef="#br0" timeOffset="14341.845">4606 12847 0,'0'0'16,"0"0"-1,0 0-15,0 0 16,0 0-16,0 0 15,0 50 1,0 50-16,17 16 16,0 17-16,0-34 15,0 1 1,-1-1-16,1 1 16,0 0-16,17-17 15,-1-1 1,18 1-16,-51-83 15</inkml:trace>
+  <inkml:trace contextRef="#ctx0" brushRef="#br0" timeOffset="14604.911">5983 13378 0,'0'0'15,"0"0"-15,0 17 16,0 16-16,17 17 16,0 16-1,0-16-15,0 17 16,-1-18-16,18 101 15,-34-150 1</inkml:trace>
+  <inkml:trace contextRef="#ctx0" brushRef="#br0" timeOffset="15452.127">21383 12117 0,'0'0'16,"0"0"-16,0 0 15,0 0 1,0 17-16,0 33 16,0 16-16,0 17 15,-17 17 1,0 16-16,0 16 15,1 18-15,-1 16 16,0 0 0,0-50-16,17 0 15,0 0-15,-17-16 16,17-17-16,0-33 16,0-17-1,0-33-15,0 0 16</inkml:trace>
+  <inkml:trace contextRef="#ctx0" brushRef="#br0" timeOffset="15824.219">22642 12333 0,'0'0'0,"0"0"16,0 0-16,0 0 16,17 17-16,0 16 15,16 17 1,1 32-16,16 51 15,-16 33-15,-17 0 16,0-33 0,-17 0-16,0-34 15,16 1-15,1-17 16,0 0 0,0-17-16,-1-33 15,-16-33-15</inkml:trace>
+  <inkml:trace contextRef="#ctx0" brushRef="#br1" timeOffset="21298.098">1533 7719 0,'0'0'0,"0"0"15,0 0-15,0 0 16,0 0 0,17-16-16,17-1 15,16 17 1,0 0-16,1 0 16,-1 0-16,1 17 15,-1-17-15,51 16 16,16-16-1,68 0-15,-17 0 16,-17-16-16,-33 16 16,-18 0-1,1 0-15,17 16 16,50 1-16,0-17 16,16 17-1,-49-17-15,-1 0 16,-16-17-16,33 0 15,33 1 1,18 16-16,-17 16 16,-34 1-16,-34 0 15,18 16 1,49 0-16,35 0 16,-18-16-16,-50-17 15,-33 0 1,33 0-16,17 0 15,67 0-15,0 0 16,-50-17 0,-17 17-16,17 0 15,50 0-15,0 0 16,-51 0 0,-66 17-16,-17-1 15,16 1-15,68 0 16,33-1-1,1 1-15,-35-1 16,-32 1-16,32 0 16,102 16-1,-51-17-15,-50 1 16,-34-17-16,0 0 16,34 17-16,50-17 15,-17 0 1,-50 0-16,0-17 15,17 17 1,100-17-16,-33 1 16,-67-1-16,-1 1 15,1-1 1,50 17-16,0-17 16,-50 1-16,-51 16 15,18 0-15,32-17 16,68 17-1,-50-16-15,-34-1 16,-17 0-16,33 1 16,35-1-1,16-16-15,-34 16 16,-49 1-16,-1 16 16,17-17-1,67 1-15,0 16 16,-67 0-16,-17 0 15,-17 0 1,51 0-16,50-17 16,-17 0-16,-50 17 15,-17-16 1,1-1-16,49-16 16,34 16-16,-17 1 15,-50-1 1,0 1-16,34-1 15,67 0-15,-18 17 16,-66 0 0,0 0-16,33-16 15,51-1-15,-17 1 16,-51-1 0,18 1-16,33-1 15,33 0-15,-83 1 16,-18-1-16,68 17 15,34 0 1,-51-16-16,-34 16 16,1 0-16,33 0 15,0 0 1,-17-17-16,-50 17 16,34 0-16,66 0 15,1 0 1,-34 17-16,-67-17 15,34 16-15,33 1 16,-17-34 0,-50 17-16,-34 0 15,-16 0-15,-17 0 16,-17 0 0,16 17-16,-16-17 15,0 16-15,-17-16 16,1 0-1,-18 0-15,-16 0 16,-18 0-16,1 0 16,0 0-1,-17 0-15,0 0 16,0 0-16,0 0 16</inkml:trace>
+  <inkml:trace contextRef="#ctx0" brushRef="#br1" timeOffset="24028.618">593 14756 0,'0'0'15,"0"0"-15,0 0 16,0 0-16,0 0 15,0 0 1,0 0-16,0 0 16,0 0-16,0 0 15,0 0 1,17 0-16,50 0 16,-34 16-16,35 1 15,49-17 1,85 0-16,-18-17 15,52 17-15,-85 0 16,33 0 0,85 0-16,33 0 15,-83 0-15,-68-16 16,17 16 0,16-17-16,1 17 15,0 0-15,-17-16 16,-34 16-1,17 0-15,68 0 16,-18 0-16,-16 0 16,-34 0-1,-50 0-15,-17 0 16,0 0-16,-17 0 16,0 0-1,0 0-15,0 0 16,1 0-16,-1 0 15,0 0 1,0 0-16,-17 0 16,1 0-16,-1 0 15,1 0-15,-1 16 16,-16-16 0,16 17-16,0-1 15,1 1-15,-1-17 16,-16 0-1,-1 0-15,1 0 16,-1 0-16,1 0 16,0 0-1,-1 0-15,1 0 16,-1 0-16,1 0 16,0 0-1,-1 0-15,1 0 16,16 0-16,-16 0 15,-1 0 1,18 0-16,-18 0 16,18 0-16,-18 0 15,1 0 1,16 17-16,-16-17 16,16 16-16,-16 1 15,-1-17-15,1 16 16,16 1-1,1-17-15,-1 0 16,0 0 0,1 0-16,16 0 15,0 0-15,0 0 16,17 0 0,0 0-16,0 0 15,17 0-15,0 0 16,-1 17-1,-16-17-15,0 16 16,17-16-16,33 0 16,34 0-1,17 0-15,-34 0 16,0 17-16,1-17 16,-1 16-16,33-16 15,52 0 1,-1 17-16,-84-17 15,0 0-15,50-17 16,51 1 0,0-1-16,-33 17 15,-18 0-15,34-16 16,51 16 0,-51 0-16,-34 0 15,34 0-15,68 0 16,-18 16-1,-83 1-15,33-1 16,84-16-16,-34 17 16,-83 0-1,33-1-15,151-16 16,-100 0-16,-51 0 16,67 0-1,67-16-15,-100 16 16,-34 0-16,84 0 15,17 0-15,-101 0 16,0 16 0,135 1-16,-85-1 15,-50 1 1,68 0-16,100-1 16,-168-16-16,33 0 15,136-16-15,-85 16 16,-68-17-1,85 0-15,51 1 16,-152-1-16,0 1 16,101 16-1,-51 0-15,-50 0 16,0 0-16,101 0 16,-34 0-1,-83 0-15,16-17 16,118 0-16,-118-16 15,-51 17 1,-32-1-16,32 17 16,-16 0-16,-17 0 15,-16 0 1,-18 0-16,-16 17 16,-17-17-16,-17 0 15,-17 0 1,1 0-16,-1 16 15,1 1-15,-18-17 16,18 0 0,-1 0-16,0 16 15,-16-16-15,0 0 16,-1 0 0,1 0-16,-1 0 15,1 0-15,-1 0 16,1 0-1,0 0-15,-1 17 16,-16-17-16,0 0 16,-17 0-1,17 17-15,-17-17 16</inkml:trace>
+  <inkml:trace contextRef="#ctx0" brushRef="#br1" timeOffset="25853.966">6135 13744 0,'0'0'15,"0"0"1,0 0-16,0 16 16,0 17-16,0 17 15,0 16-15,16 17 16,-16 0-1,0 0-15,0-16 16,0-1-16,0 1 16,0-18-1,0 1-15,0 0 16,0-17-16,0 17 16,0-17-1,0 0-15,0 0 16,17 1-16,17 32 15,-34-66 1</inkml:trace>
+  <inkml:trace contextRef="#ctx0" brushRef="#br1" timeOffset="26822.084">14481 13710 0,'0'0'16,"0"0"-16,0 17 15,0 16-15,0 17 16,17 33-1,-1 0-15,18 16 16,-17-16-16,0 0 16,-17-16-1,0-1-15,0-16 16,0 16-16,16-16 16,1 0-1,0 16-15,-17 1 16,0-1-16,0-16 15,0 0 1,0-1-16,0 1 16,0-17-16,0 1 15,0-18 1,0 1-16,0-17 16,0 0-16,0 0 15,0 0 1</inkml:trace>
+  <inkml:trace contextRef="#ctx0" brushRef="#br1" timeOffset="27691.213">23230 13279 0,'0'0'15,"0"0"-15,0 0 16,0 0-16,0 0 16,0 16-16,0 18 15,0-1 1,0 0-16,0 0 15,-17 17-15,17 16 16,-17 34 0,1 49-16,-1 34 15,-17 33-15,17-67 16,-16 0 0,16-16-16,0-17 15,17-33-15,0 0 16,0-33-1,0 16-15,0-16 16,0 0-16,0 0 16,0 0-1,-17-1-15,17-16 16,0-16-16,0-17 16,0 0-1,0 0-15</inkml:trace>
+  <inkml:trace contextRef="#ctx0" brushRef="#br1" timeOffset="28597.43">21534 5529 0,'0'0'16,"0"0"0,0 0-16,0 0 15,0 0-15,0 0 16,0 16 0,0 34-16,0 50 15,0-17-15,0 0 16,0 0-1,0 0-15,17-17 16,16 17-16,1 0 16,-1 17-16,18 32 15,-1 1 1,-16-17-16,-17-16 16,-1-17-1,1-17-15,0-16 16,0-17-16,0 0 15,-17-33-15,0 17 16,0 0 0,0-1-16,0 1 15,0-1-15,0 1 16,0 16 0,0-16-16,0-1 15,0-16-15,0 0 16,0 0-1,0 0-15</inkml:trace>
+  <inkml:trace contextRef="#ctx0" brushRef="#br1" timeOffset="29485.656">13087 6110 0,'0'0'16,"0"0"-16,0 0 15,0 0 1,0 0-16,0 0 16,0 0-16,0 0 15,0 0 1,0 0-16,0 16 15,0 17-15,0 1 16,0 15 0,17 18-16,0 49 15,-1 0-15,-16 17 16,17-17 0,-17 0-16,17 0 15,0 1-15,0-18 16,-1 1-1,1-1-15,17-16 16,-18 0-16,1-16 16,0-1-16,-17-16 15,0-17 1,0 0-16,0 0 16,0-16-16,0 0 15,0-1 1,0 1-16,0-17 15,0 0-15,0 0 16</inkml:trace>
+  <inkml:trace contextRef="#ctx0" brushRef="#br1" timeOffset="30102.731">6235 6143 0,'0'0'16,"0"0"-16,0 33 16,0 33-16,0 17 15,0 0 1,0 17-16,17 16 15,0 0-15,0 0 16,0 1 0,16-18-16,-16 1 15,0-1-15,0 18 16,-17-18 0,0-33-16,0-16 15,0-33-15,16 16 16,68 17-1,-84-50-15</inkml:trace>
+  <inkml:trace contextRef="#ctx0" brushRef="#br2" timeOffset="38023.167">2558 1496 0,'0'0'15,"0"0"-15,0 17 16,0 66-1,-17 50-15,0 16 16,-16 33-16,-1 67 16,0-16-1,1-18-15,16 18 16,-33 66-16,16 32 16,0-48-1,-16 82-15,33 83 16,0-17-16,34 100 15,17-66 1,-1 182-16,1-199 16,33 266-16,0-117 15,-33-66 1,16 100-16,-33-133 16,0 99-16,-17-132 15,0 116 1,17-150-16,-1 67 15,1-67-15,17-49 16,16 133 0,1-200-16,16 50 15,0 0-15,-17-99 16,1 82 0,-18-16-16,1-83 15,-1-17-15,-16 50 16,0-16-1,0-50-15,0-50 16,-1-17-16,1 0 16,0-32-16,0-18 15,0 1 1,-1-17-16,1-34 16,0 1-16,-17-17 15,0-16 1,0 0-16,0-1 15,0-16-15,0 0 16,0 0 0,0 0-16,0 0 15,0 0-15</inkml:trace>
+  <inkml:trace contextRef="#ctx0" brushRef="#br2" timeOffset="39050.395">9863 1745 0,'0'0'0,"0"0"16,0 0-16,0 17 15,0 16 1,16 50-16,18 50 16,0 182-16,-1 17 15,-33 33 1,-17 183-16,-33-117 16,-17 150-16,17-83 15,-1 249 1,18-150-16,33 67 15,16 16-15,1-82 16,17 82-16,-34 0 16,17-99-1,16 83-15,1-232 16,16 231 0,-16-215-16,-1 133 15,1-232-15,16 198 16,1-165-1,-1 83-15,0-67 16,-16-99-16,0-17 16,-1-33-16,-16-50 15,-17-50 1,0-32-16,0-1 16,0-17-16,0 17 15,0 1 1,0-1-16,17 0 15,-1 0-15,1-16 16,-17-34 0,0 0-16,0-16 15,0-17-15,0-16 16,0-17 0,0 0-16</inkml:trace>
+  <inkml:trace contextRef="#ctx0" brushRef="#br2" timeOffset="39946.566">16983 1878 0,'0'0'0,"0"0"15,0 0-15,0 50 16,0 132-16,0 167 15,-34 32 1,18 68-16,-1 48 16,34-115-16,-1 116 15,1-100 1,0 249-16,17-49 16,-1 232-16,-50-117 15,1-49 1,16 50-16,-17 66 15,0-100-15,17 100 16,17-149 0,0-200-16,-1 200 15,1-283-15,0 150 16,17-133 0,-1 17-16,1 16 15,-1-149-15,1-17 16,-1 1-16,1-18 15,-17-65 1,0-34-16,-1-33 16,1-17-16,0 1 15,0-17 1,0-1-16,-1 1 16,1 0-1,-17 0-15,0-17 16,0 0-16,0-16 15,0-1-15,0 1 16,0-1 0,0 1-16,0-17 15,0 0-15,0 0 16,0 0 0,0 0-16,0 0 15,0 0-15</inkml:trace>
+  <inkml:trace contextRef="#ctx0" brushRef="#br2" timeOffset="40880.697">19888 5496 0,'0'0'0,"0"0"15,0 0 1,0 83-16,0 49 16,0 18-16,17-17 15,0-17 1,0 0-16,-1-17 16,-16-32-16,0-17 15,0-1 1,0 1-16,0-17 15,0 1-15,0-18 16,0 1 0,0-1-16,-16 1 15,-1 0-15,-17-17 16,-33 0 0,-51 0-16,-33-17 15,0 0-15,34 1 16,-35-1-1,-83 1-15,-33 16 16,66 16-16,34 1 16,17 16-1,-67 33-15,-17 1 16,50-18-16,67-15 16,18-18-1,32 1-15,35-1 16,-1-16-16,18 0 15,16 0 1,0 0-16,0 0 16,0 0-16</inkml:trace>
+  <inkml:trace contextRef="#ctx0" brushRef="#br2" timeOffset="42132.011">21215 13561 0,'0'0'0,"0"0"15,0 0-15,0 0 16,0 0-16,-17 0 16,0 17-1,0-17-15,1 0 16,-1 0-16,0 0 16,0 0-1,0 0-15,1 0 16,-18 0-16,-33 0 15,-51 16 1,-33 1-16,17-1 16,16 1-16,1 16 15,-1-16 1,-33 16-16,-17 0 16,-17-16-16,1-1 15,33 1 1,-1 0-16,-32-17 15,-35 0-15,18 0 16,50 0 0,50 0-16,17 0 15,34 0-15,-1 0 16,18 0 0,16 0-16,0 0 15,0 0-15,1 0 16,16 0-1,-17 0-15,0 0 16,17 0-16,0 0 16,0 0-16</inkml:trace>
+  <inkml:trace contextRef="#ctx0" brushRef="#br2" timeOffset="43416.266">11525 6159 0,'0'0'16,"0"0"-16,0 0 16,17 0-1,-17 0-15,0 0 16,0 0-16,0 0 15,-50 17 1,-102 16-16,-66 0 16,33-16-1,68 0-15,-17-17 16,-1 0-16,-16 16 16,0 1-16,0 16 15,0 0 1,33 0-16,17-16 15,17 16-15,17-16 16,17-1 0,-1 1-16,18-17 15,16 0-15,17 0 16,0 0 0</inkml:trace>
+  <inkml:trace contextRef="#ctx0" brushRef="#br2" timeOffset="44694.586">12818 13810 0,'0'0'0,"0"0"16,0 0-1,0 0-15,0 0 16,0 0-16,0 0 16,0 0-1,-17 0-15,-16-17 16,-17 1 0,-18 16-16,-32 0 15,-18 0-15,0 0 16,1 0-1,-1 16-15,18-16 16,16 0-16,16 0 16,-15 0-16,-1 0 15,-51 0 1,-16 0-16,0-16 16,33-1-16,1 17 15,16-16 1,34 16-16,17-17 15,-1 17-15,18 0 16,-1 0 0,0 0-16,1 0 15,-1 0-15,17 0 16,1 0 0,-1 0-16,17 0 15,0 0-15</inkml:trace>
+  <inkml:trace contextRef="#ctx0" brushRef="#br2" timeOffset="45852.877">5043 6226 0,'0'0'16,"0"0"-1,0 0-15,0 0 16,0 0-16,0 0 16,-34 0-1,-33 0-15,-17 0 16,-16-17-16,-1 17 16,0-16-1,17 16-15,17 0 16,0-17-16,0 17 15,-17 0-15,-34-17 16,1 1 0,-51-17-16,16 0 15,18 16-15,33 0 16,17 1 0,17-1-16,0 17 15,17 0-15,-18 0 16,-15 0-1,-18 17-15,0-1 16,0 1-16,0 0 16,18-17-1,15 0-15,1 16 16,17 1-16,-1-1 16,1 1-1,0-1-15,-1 1 16,18 0-16,-1-1 15,34-16 1</inkml:trace>
+  <inkml:trace contextRef="#ctx0" brushRef="#br2" timeOffset="46949.947">5329 13843 0,'0'0'16,"0"0"-16,0 0 16,0 0-16,-17 0 15,0 0 1,-17 0-16,-16 0 16,-34 17-16,-34-17 15,-33 0 1,0 0-16,0 0 15,34 0 1,16 0-16,17 0 16,-17 0-16,-17-17 15,18 17 1,-1-16-16,17 16 16,0 0-16,0 0 15,0 0-15,17 0 16,17-17-1,-1 17-15,1 0 16,16 0-16,1 0 16,-1 0-1,0 0-15,1 0 16,-18 17-16,-16-1 16,-50 1-1,117-17-15</inkml:trace>
+  <inkml:trace contextRef="#ctx0" brushRef="#br3" timeOffset="63290.94">626 7089 0,'0'0'0,"0"0"15,0 0-15,0 0 16,0 0-16,0 0 16,0 0-1,34 0-15,-17-17 16,-17 1-16,33-1 15,1-16 1,16 0-16,1-1 16,16-15-16,17 15 15,-17 1 1,-17 17-16,-16 16 16,16 0-16,-50 16 15,17 1 1,0 16-16,0 33 15,-17 17-15,0-16 16,0-1 0,0-16-16,0-17 15,0 0-15,17-16 16,-1 0 0,1-1-16,0 1 15,17-1-15,-1 18 16,1 32-16,-1 17 15,-16 66 1,-17-16-16,0-33 16,0-17-16,0-17 15,0-16 1,0-17-16,0 0 16,0-16-16,0 16 15,0 0 1,0 0-16,-17 17 15,-16 0-15,-18 16 16,-16 17 0,0-16-16,33-18 15,-16 1-15,50-50 16</inkml:trace>
+  <inkml:trace contextRef="#ctx0" brushRef="#br3" timeOffset="64452.16">1097 12814 0,'0'0'16,"0"0"-16,0 0 15,0 0 1,0 0-16,0 0 16,0 0-16,0 0 15,-34 17-15,17 16 16,-16 33-1,16 34-15,-17 16 16,1 0-16,16-16 16,-17 16-1,1 33-15,-1 34 16,1-1-16,-18-32 16,18-17-1,16-50-15,17 0 16,0-17-16,0 0 15,17-16 1,-1 16-16,18-32 16,0-1-16,-1-17 15,51 1 1,17-17-16,0-17 16,16-32-16,1-18 15,-17 1 1,-17 0-16,-34 16 15,-33 17-15,-1-1 16,-16 34 0,0 0-16,0 0 15,0 0-15,0 0 16,0 0 0,0 0-16,0 17 15,0 0-15,0 16 16,0 33-16,17 34 15,0 16 1,0 66-16,-17-32 16,0 32-16,0-49 15,0-17 1,0-33-16,0-16 16,0-18-1,0-15-15,0-34 16</inkml:trace>
+  <inkml:trace contextRef="#ctx0" brushRef="#br3" timeOffset="65611.451">5194 16863 0,'0'0'0,"0"0"16,0 0-1,0 0-15,0 0 16,0 0-16,-17 0 15,-33-16 1,-34 16-16,-33-17 16,-35 1-16,1 16 15,34 0 1,33 0-16,17 0 16,16 0-16,18 0 15,-1 16-15,0 1 16,18-1-1,-1 18-15,0-1 16,0 17-16,0 16 16,1 17-1,16-17-15,0 1 16,0-17-16,0-1 16,0 1-1,0-17-15,0 0 16,0-16-16,0-17 15,0 0 1,33 17-16,118-1 16,152-16-16,-85 17 15,-67-1 1,0 1-16,-16 16 16,-35 17-16,-32 0 15,-18 16 1,-33 17-16,-34 33 15,0 0-15,-33 1 16,-1-18 0,18-16-16,-18 0 15,1-33-15,0 0 16,-18 0 0,1-17-16,-17 0 15,17-16-15,0-17 16,33 0-1,-16-67-15,50 67 16</inkml:trace>
+  <inkml:trace contextRef="#ctx0" brushRef="#br3" timeOffset="66292.624">11576 16664 0,'0'0'0,"0"0"16,0 17-16,-17 33 16,-17 66-16,-16 33 15,-17 34 1,-34 16-16,0-17 16,34 1-16,17 0 15,50 32-15,84 1 16,67-50-1,-17-50-15,51-33 16,-1-50-16,-32-66 16,-35-33-1,-16-34-15,-34-33 16,-33 1-16,-34 15 16,-17 18-1,-17 33-15,-33 16 16,-50 0-16,-35 33 15,-15 17 1,-35 34-16,17 15 16,17 1-16,84 0 15,51-34 1,33-16-16</inkml:trace>
+  <inkml:trace contextRef="#ctx0" brushRef="#br3" timeOffset="67148.839">16865 17029 0,'0'0'0,"0"0"15,0 0-15,0 0 16,0 0-16,34-16 16,134-34-1,117-16-15,-66 16 16,-85 17-16,-16-1 16,-18 18-1,1-1-15,-34 1 16,-16 16-1,-1 0-15,-16 0 16,-18 0-16,1 16 16,-17 51-16,-33 115 15,-51 100 1,17-66-16,-17 0 16,0-34-16,16-16 15,18-33 1,0-33-16,33-17 15,0-17-15,0-16 16,17-17 0,0 0-16,0-33 15,0 0-15</inkml:trace>
+</inkml:ink>
 </file>
 
 <file path=ppt/slideLayouts/slideLayout1.xml><?xml version="1.0" encoding="utf-8"?>
@@ -4558,6 +4642,167 @@
 </p:sld>
 </file>
 
+<file path=ppt/slides/slide7.xml><?xml version="1.0" encoding="utf-8"?>
+<p:sld xmlns:a="http://schemas.openxmlformats.org/drawingml/2006/main" xmlns:r="http://schemas.openxmlformats.org/officeDocument/2006/relationships" xmlns:p="http://schemas.openxmlformats.org/presentationml/2006/main">
+  <p:cSld>
+    <p:spTree>
+      <p:nvGrpSpPr>
+        <p:cNvPr id="1" name=""/>
+        <p:cNvGrpSpPr/>
+        <p:nvPr/>
+      </p:nvGrpSpPr>
+      <p:grpSpPr>
+        <a:xfrm>
+          <a:off x="0" y="0"/>
+          <a:ext cx="0" cy="0"/>
+          <a:chOff x="0" y="0"/>
+          <a:chExt cx="0" cy="0"/>
+        </a:xfrm>
+      </p:grpSpPr>
+      <p:sp>
+        <p:nvSpPr>
+          <p:cNvPr id="2" name="Title 1">
+            <a:extLst>
+              <a:ext uri="{FF2B5EF4-FFF2-40B4-BE49-F238E27FC236}">
+                <a16:creationId xmlns:a16="http://schemas.microsoft.com/office/drawing/2014/main" id="{BFE389C0-1609-4C1D-B5AC-068BB6D622A9}"/>
+              </a:ext>
+            </a:extLst>
+          </p:cNvPr>
+          <p:cNvSpPr>
+            <a:spLocks noGrp="1"/>
+          </p:cNvSpPr>
+          <p:nvPr>
+            <p:ph type="title"/>
+          </p:nvPr>
+        </p:nvSpPr>
+        <p:spPr/>
+        <p:txBody>
+          <a:bodyPr/>
+          <a:lstStyle/>
+          <a:p>
+            <a:endParaRPr lang="en-CA"/>
+          </a:p>
+        </p:txBody>
+      </p:sp>
+      <p:sp>
+        <p:nvSpPr>
+          <p:cNvPr id="3" name="Content Placeholder 2">
+            <a:extLst>
+              <a:ext uri="{FF2B5EF4-FFF2-40B4-BE49-F238E27FC236}">
+                <a16:creationId xmlns:a16="http://schemas.microsoft.com/office/drawing/2014/main" id="{27CA00E6-8644-4AA1-8AD2-B1D8FDA67B9E}"/>
+              </a:ext>
+            </a:extLst>
+          </p:cNvPr>
+          <p:cNvSpPr>
+            <a:spLocks noGrp="1"/>
+          </p:cNvSpPr>
+          <p:nvPr>
+            <p:ph idx="1"/>
+          </p:nvPr>
+        </p:nvSpPr>
+        <p:spPr/>
+        <p:txBody>
+          <a:bodyPr/>
+          <a:lstStyle/>
+          <a:p>
+            <a:endParaRPr lang="en-CA"/>
+          </a:p>
+        </p:txBody>
+      </p:sp>
+    </p:spTree>
+    <p:extLst>
+      <p:ext uri="{BB962C8B-B14F-4D97-AF65-F5344CB8AC3E}">
+        <p14:creationId xmlns:p14="http://schemas.microsoft.com/office/powerpoint/2010/main" val="4245653224"/>
+      </p:ext>
+    </p:extLst>
+  </p:cSld>
+  <p:clrMapOvr>
+    <a:masterClrMapping/>
+  </p:clrMapOvr>
+</p:sld>
+</file>
+
+<file path=ppt/slides/slide8.xml><?xml version="1.0" encoding="utf-8"?>
+<p:sld xmlns:a="http://schemas.openxmlformats.org/drawingml/2006/main" xmlns:r="http://schemas.openxmlformats.org/officeDocument/2006/relationships" xmlns:p="http://schemas.openxmlformats.org/presentationml/2006/main">
+  <p:cSld>
+    <p:spTree>
+      <p:nvGrpSpPr>
+        <p:cNvPr id="1" name=""/>
+        <p:cNvGrpSpPr/>
+        <p:nvPr/>
+      </p:nvGrpSpPr>
+      <p:grpSpPr>
+        <a:xfrm>
+          <a:off x="0" y="0"/>
+          <a:ext cx="0" cy="0"/>
+          <a:chOff x="0" y="0"/>
+          <a:chExt cx="0" cy="0"/>
+        </a:xfrm>
+      </p:grpSpPr>
+      <mc:AlternateContent xmlns:mc="http://schemas.openxmlformats.org/markup-compatibility/2006">
+        <mc:Choice xmlns:p14="http://schemas.microsoft.com/office/powerpoint/2010/main" Requires="p14">
+          <p:contentPart p14:bwMode="auto" r:id="rId2">
+            <p14:nvContentPartPr>
+              <p14:cNvPr id="2" name="Ink 1">
+                <a:extLst>
+                  <a:ext uri="{FF2B5EF4-FFF2-40B4-BE49-F238E27FC236}">
+                    <a16:creationId xmlns:a16="http://schemas.microsoft.com/office/drawing/2014/main" id="{DEC0F368-071A-4358-B893-AF2B0CE28429}"/>
+                  </a:ext>
+                </a:extLst>
+              </p14:cNvPr>
+              <p14:cNvContentPartPr/>
+              <p14:nvPr/>
+            </p14:nvContentPartPr>
+            <p14:xfrm>
+              <a:off x="213480" y="538560"/>
+              <a:ext cx="9534240" cy="6213600"/>
+            </p14:xfrm>
+          </p:contentPart>
+        </mc:Choice>
+        <mc:Fallback>
+          <p:pic>
+            <p:nvPicPr>
+              <p:cNvPr id="2" name="Ink 1">
+                <a:extLst>
+                  <a:ext uri="{FF2B5EF4-FFF2-40B4-BE49-F238E27FC236}">
+                    <a16:creationId xmlns:a16="http://schemas.microsoft.com/office/drawing/2014/main" id="{DEC0F368-071A-4358-B893-AF2B0CE28429}"/>
+                  </a:ext>
+                </a:extLst>
+              </p:cNvPr>
+              <p:cNvPicPr/>
+              <p:nvPr/>
+            </p:nvPicPr>
+            <p:blipFill>
+              <a:blip r:embed="rId3"/>
+              <a:stretch>
+                <a:fillRect/>
+              </a:stretch>
+            </p:blipFill>
+            <p:spPr>
+              <a:xfrm>
+                <a:off x="204120" y="529200"/>
+                <a:ext cx="9552960" cy="6232320"/>
+              </a:xfrm>
+              <a:prstGeom prst="rect">
+                <a:avLst/>
+              </a:prstGeom>
+            </p:spPr>
+          </p:pic>
+        </mc:Fallback>
+      </mc:AlternateContent>
+    </p:spTree>
+    <p:extLst>
+      <p:ext uri="{BB962C8B-B14F-4D97-AF65-F5344CB8AC3E}">
+        <p14:creationId xmlns:p14="http://schemas.microsoft.com/office/powerpoint/2010/main" val="1870525119"/>
+      </p:ext>
+    </p:extLst>
+  </p:cSld>
+  <p:clrMapOvr>
+    <a:masterClrMapping/>
+  </p:clrMapOvr>
+</p:sld>
+</file>
+
 <file path=ppt/theme/theme1.xml><?xml version="1.0" encoding="utf-8"?>
 <a:theme xmlns:a="http://schemas.openxmlformats.org/drawingml/2006/main" name="Office Theme">
   <a:themeElements>
